--- a/canonical_transformation/fig/fig.pptx
+++ b/canonical_transformation/fig/fig.pptx
@@ -5,11 +5,12 @@
     <p:sldMasterId id="2147483648" r:id="rId1"/>
   </p:sldMasterIdLst>
   <p:notesMasterIdLst>
-    <p:notesMasterId r:id="rId4"/>
+    <p:notesMasterId r:id="rId5"/>
   </p:notesMasterIdLst>
   <p:sldIdLst>
     <p:sldId id="256" r:id="rId2"/>
-    <p:sldId id="257" r:id="rId3"/>
+    <p:sldId id="258" r:id="rId3"/>
+    <p:sldId id="257" r:id="rId4"/>
   </p:sldIdLst>
   <p:sldSz cx="9144000" cy="6858000" type="screen4x3"/>
   <p:notesSz cx="6858000" cy="9144000"/>
@@ -515,6 +516,91 @@
 </p:notesMaster>
 </file>
 
+<file path=ppt/notesSlides/notesSlide1.xml><?xml version="1.0" encoding="utf-8"?>
+<p:notes xmlns:a="http://schemas.openxmlformats.org/drawingml/2006/main" xmlns:r="http://schemas.openxmlformats.org/officeDocument/2006/relationships" xmlns:p="http://schemas.openxmlformats.org/presentationml/2006/main">
+  <p:cSld>
+    <p:spTree>
+      <p:nvGrpSpPr>
+        <p:cNvPr id="1" name=""/>
+        <p:cNvGrpSpPr/>
+        <p:nvPr/>
+      </p:nvGrpSpPr>
+      <p:grpSpPr>
+        <a:xfrm>
+          <a:off x="0" y="0"/>
+          <a:ext cx="0" cy="0"/>
+          <a:chOff x="0" y="0"/>
+          <a:chExt cx="0" cy="0"/>
+        </a:xfrm>
+      </p:grpSpPr>
+      <p:sp>
+        <p:nvSpPr>
+          <p:cNvPr id="2" name="スライド イメージ プレースホルダー 1"/>
+          <p:cNvSpPr>
+            <a:spLocks noGrp="1" noRot="1" noChangeAspect="1"/>
+          </p:cNvSpPr>
+          <p:nvPr>
+            <p:ph type="sldImg"/>
+          </p:nvPr>
+        </p:nvSpPr>
+        <p:spPr/>
+      </p:sp>
+      <p:sp>
+        <p:nvSpPr>
+          <p:cNvPr id="3" name="ノート プレースホルダー 2"/>
+          <p:cNvSpPr>
+            <a:spLocks noGrp="1"/>
+          </p:cNvSpPr>
+          <p:nvPr>
+            <p:ph type="body" idx="1"/>
+          </p:nvPr>
+        </p:nvSpPr>
+        <p:spPr/>
+        <p:txBody>
+          <a:bodyPr/>
+          <a:lstStyle/>
+          <a:p>
+            <a:endParaRPr kumimoji="1" lang="ja-JP" altLang="en-US"/>
+          </a:p>
+        </p:txBody>
+      </p:sp>
+      <p:sp>
+        <p:nvSpPr>
+          <p:cNvPr id="4" name="スライド番号プレースホルダー 3"/>
+          <p:cNvSpPr>
+            <a:spLocks noGrp="1"/>
+          </p:cNvSpPr>
+          <p:nvPr>
+            <p:ph type="sldNum" sz="quarter" idx="5"/>
+          </p:nvPr>
+        </p:nvSpPr>
+        <p:spPr/>
+        <p:txBody>
+          <a:bodyPr/>
+          <a:lstStyle/>
+          <a:p>
+            <a:fld id="{658B8C6D-C3B1-8D4B-883D-F931C7D3B8B2}" type="slidenum">
+              <a:rPr lang="ja-JP" altLang="en-US" smtClean="0"/>
+              <a:pPr/>
+              <a:t>2</a:t>
+            </a:fld>
+            <a:endParaRPr lang="ja-JP" altLang="en-US"/>
+          </a:p>
+        </p:txBody>
+      </p:sp>
+    </p:spTree>
+    <p:extLst>
+      <p:ext uri="{BB962C8B-B14F-4D97-AF65-F5344CB8AC3E}">
+        <p14:creationId xmlns:p14="http://schemas.microsoft.com/office/powerpoint/2010/main" val="2177676316"/>
+      </p:ext>
+    </p:extLst>
+  </p:cSld>
+  <p:clrMapOvr>
+    <a:masterClrMapping/>
+  </p:clrMapOvr>
+</p:notes>
+</file>
+
 <file path=ppt/slideLayouts/slideLayout1.xml><?xml version="1.0" encoding="utf-8"?>
 <p:sldLayout xmlns:a="http://schemas.openxmlformats.org/drawingml/2006/main" xmlns:r="http://schemas.openxmlformats.org/officeDocument/2006/relationships" xmlns:p="http://schemas.openxmlformats.org/presentationml/2006/main" preserve="1" userDrawn="1">
   <p:cSld name="タイトル スライド">
@@ -838,8 +924,8 @@
           <a:chExt cx="0" cy="0"/>
         </a:xfrm>
       </p:grpSpPr>
-      <mc:AlternateContent xmlns:mc="http://schemas.openxmlformats.org/markup-compatibility/2006">
-        <mc:Choice xmlns:a14="http://schemas.microsoft.com/office/drawing/2010/main" Requires="a14">
+      <mc:AlternateContent xmlns:mc="http://schemas.openxmlformats.org/markup-compatibility/2006" xmlns:a14="http://schemas.microsoft.com/office/drawing/2010/main">
+        <mc:Choice Requires="a14">
           <p:sp>
             <p:nvSpPr>
               <p:cNvPr id="2" name="テキスト ボックス 1">
@@ -943,7 +1029,7 @@
             </p:txBody>
           </p:sp>
         </mc:Choice>
-        <mc:Fallback>
+        <mc:Fallback xmlns="">
           <p:sp>
             <p:nvSpPr>
               <p:cNvPr id="2" name="テキスト ボックス 1">
@@ -993,8 +1079,8 @@
           </p:sp>
         </mc:Fallback>
       </mc:AlternateContent>
-      <mc:AlternateContent xmlns:mc="http://schemas.openxmlformats.org/markup-compatibility/2006">
-        <mc:Choice xmlns:a14="http://schemas.microsoft.com/office/drawing/2010/main" Requires="a14">
+      <mc:AlternateContent xmlns:mc="http://schemas.openxmlformats.org/markup-compatibility/2006" xmlns:a14="http://schemas.microsoft.com/office/drawing/2010/main">
+        <mc:Choice Requires="a14">
           <p:sp>
             <p:nvSpPr>
               <p:cNvPr id="3" name="テキスト ボックス 2">
@@ -1098,7 +1184,7 @@
             </p:txBody>
           </p:sp>
         </mc:Choice>
-        <mc:Fallback>
+        <mc:Fallback xmlns="">
           <p:sp>
             <p:nvSpPr>
               <p:cNvPr id="3" name="テキスト ボックス 2">
@@ -1148,8 +1234,8 @@
           </p:sp>
         </mc:Fallback>
       </mc:AlternateContent>
-      <mc:AlternateContent xmlns:mc="http://schemas.openxmlformats.org/markup-compatibility/2006">
-        <mc:Choice xmlns:a14="http://schemas.microsoft.com/office/drawing/2010/main" Requires="a14">
+      <mc:AlternateContent xmlns:mc="http://schemas.openxmlformats.org/markup-compatibility/2006" xmlns:a14="http://schemas.microsoft.com/office/drawing/2010/main">
+        <mc:Choice Requires="a14">
           <p:sp>
             <p:nvSpPr>
               <p:cNvPr id="4" name="テキスト ボックス 3">
@@ -1248,7 +1334,7 @@
             </p:txBody>
           </p:sp>
         </mc:Choice>
-        <mc:Fallback>
+        <mc:Fallback xmlns="">
           <p:sp>
             <p:nvSpPr>
               <p:cNvPr id="4" name="テキスト ボックス 3">
@@ -1293,8 +1379,8 @@
           </p:sp>
         </mc:Fallback>
       </mc:AlternateContent>
-      <mc:AlternateContent xmlns:mc="http://schemas.openxmlformats.org/markup-compatibility/2006">
-        <mc:Choice xmlns:a14="http://schemas.microsoft.com/office/drawing/2010/main" Requires="a14">
+      <mc:AlternateContent xmlns:mc="http://schemas.openxmlformats.org/markup-compatibility/2006" xmlns:a14="http://schemas.microsoft.com/office/drawing/2010/main">
+        <mc:Choice Requires="a14">
           <p:sp>
             <p:nvSpPr>
               <p:cNvPr id="5" name="テキスト ボックス 4">
@@ -1393,7 +1479,7 @@
             </p:txBody>
           </p:sp>
         </mc:Choice>
-        <mc:Fallback>
+        <mc:Fallback xmlns="">
           <p:sp>
             <p:nvSpPr>
               <p:cNvPr id="5" name="テキスト ボックス 4">
@@ -1438,8 +1524,8 @@
           </p:sp>
         </mc:Fallback>
       </mc:AlternateContent>
-      <mc:AlternateContent xmlns:mc="http://schemas.openxmlformats.org/markup-compatibility/2006">
-        <mc:Choice xmlns:a14="http://schemas.microsoft.com/office/drawing/2010/main" Requires="a14">
+      <mc:AlternateContent xmlns:mc="http://schemas.openxmlformats.org/markup-compatibility/2006" xmlns:a14="http://schemas.microsoft.com/office/drawing/2010/main">
+        <mc:Choice Requires="a14">
           <p:sp>
             <p:nvSpPr>
               <p:cNvPr id="6" name="テキスト ボックス 5">
@@ -1538,7 +1624,7 @@
             </p:txBody>
           </p:sp>
         </mc:Choice>
-        <mc:Fallback>
+        <mc:Fallback xmlns="">
           <p:sp>
             <p:nvSpPr>
               <p:cNvPr id="6" name="テキスト ボックス 5">
@@ -1583,8 +1669,8 @@
           </p:sp>
         </mc:Fallback>
       </mc:AlternateContent>
-      <mc:AlternateContent xmlns:mc="http://schemas.openxmlformats.org/markup-compatibility/2006">
-        <mc:Choice xmlns:a14="http://schemas.microsoft.com/office/drawing/2010/main" Requires="a14">
+      <mc:AlternateContent xmlns:mc="http://schemas.openxmlformats.org/markup-compatibility/2006" xmlns:a14="http://schemas.microsoft.com/office/drawing/2010/main">
+        <mc:Choice Requires="a14">
           <p:sp>
             <p:nvSpPr>
               <p:cNvPr id="7" name="テキスト ボックス 6">
@@ -1683,7 +1769,7 @@
             </p:txBody>
           </p:sp>
         </mc:Choice>
-        <mc:Fallback>
+        <mc:Fallback xmlns="">
           <p:sp>
             <p:nvSpPr>
               <p:cNvPr id="7" name="テキスト ボックス 6">
@@ -1728,8 +1814,8 @@
           </p:sp>
         </mc:Fallback>
       </mc:AlternateContent>
-      <mc:AlternateContent xmlns:mc="http://schemas.openxmlformats.org/markup-compatibility/2006">
-        <mc:Choice xmlns:a14="http://schemas.microsoft.com/office/drawing/2010/main" Requires="a14">
+      <mc:AlternateContent xmlns:mc="http://schemas.openxmlformats.org/markup-compatibility/2006" xmlns:a14="http://schemas.microsoft.com/office/drawing/2010/main">
+        <mc:Choice Requires="a14">
           <p:sp>
             <p:nvSpPr>
               <p:cNvPr id="10" name="テキスト ボックス 9">
@@ -1783,13 +1869,7 @@
                             <a:rPr kumimoji="1" lang="en-US" altLang="ja-JP" sz="2400" b="0" i="1" smtClean="0">
                               <a:latin typeface="Cambria Math" panose="02040503050406030204" pitchFamily="18" charset="0"/>
                             </a:rPr>
-                            <m:t>𝑑</m:t>
-                          </m:r>
-                          <m:r>
-                            <a:rPr kumimoji="1" lang="en-US" altLang="ja-JP" sz="2400" b="0" i="1" smtClean="0">
-                              <a:latin typeface="Cambria Math" panose="02040503050406030204" pitchFamily="18" charset="0"/>
-                            </a:rPr>
-                            <m:t>𝑊</m:t>
+                            <m:t>𝑑𝑊</m:t>
                           </m:r>
                         </m:e>
                         <m:sub>
@@ -1805,13 +1885,7 @@
                         <a:rPr kumimoji="1" lang="en-US" altLang="ja-JP" sz="2400" b="0" i="1" smtClean="0">
                           <a:latin typeface="Cambria Math" panose="02040503050406030204" pitchFamily="18" charset="0"/>
                         </a:rPr>
-                        <m:t>=</m:t>
-                      </m:r>
-                      <m:r>
-                        <a:rPr kumimoji="1" lang="en-US" altLang="ja-JP" sz="2400" b="0" i="1" smtClean="0">
-                          <a:latin typeface="Cambria Math" panose="02040503050406030204" pitchFamily="18" charset="0"/>
-                        </a:rPr>
-                        <m:t>−</m:t>
+                        <m:t>=−</m:t>
                       </m:r>
                       <m:r>
                         <a:rPr kumimoji="1" lang="en-US" altLang="ja-JP" sz="2400" b="0" i="1" smtClean="0">
@@ -1839,7 +1913,7 @@
             </p:txBody>
           </p:sp>
         </mc:Choice>
-        <mc:Fallback>
+        <mc:Fallback xmlns="">
           <p:sp>
             <p:nvSpPr>
               <p:cNvPr id="10" name="テキスト ボックス 9">
@@ -1889,8 +1963,8 @@
           </p:sp>
         </mc:Fallback>
       </mc:AlternateContent>
-      <mc:AlternateContent xmlns:mc="http://schemas.openxmlformats.org/markup-compatibility/2006">
-        <mc:Choice xmlns:a14="http://schemas.microsoft.com/office/drawing/2010/main" Requires="a14">
+      <mc:AlternateContent xmlns:mc="http://schemas.openxmlformats.org/markup-compatibility/2006" xmlns:a14="http://schemas.microsoft.com/office/drawing/2010/main">
+        <mc:Choice Requires="a14">
           <p:sp>
             <p:nvSpPr>
               <p:cNvPr id="11" name="テキスト ボックス 10">
@@ -1944,13 +2018,7 @@
                             <a:rPr kumimoji="1" lang="en-US" altLang="ja-JP" sz="2400" b="0" i="1" smtClean="0">
                               <a:latin typeface="Cambria Math" panose="02040503050406030204" pitchFamily="18" charset="0"/>
                             </a:rPr>
-                            <m:t>𝑑</m:t>
-                          </m:r>
-                          <m:r>
-                            <a:rPr kumimoji="1" lang="en-US" altLang="ja-JP" sz="2400" b="0" i="1" smtClean="0">
-                              <a:latin typeface="Cambria Math" panose="02040503050406030204" pitchFamily="18" charset="0"/>
-                            </a:rPr>
-                            <m:t>𝑊</m:t>
+                            <m:t>𝑑𝑊</m:t>
                           </m:r>
                         </m:e>
                         <m:sub>
@@ -1966,13 +2034,7 @@
                         <a:rPr kumimoji="1" lang="en-US" altLang="ja-JP" sz="2400" b="0" i="1" smtClean="0">
                           <a:latin typeface="Cambria Math" panose="02040503050406030204" pitchFamily="18" charset="0"/>
                         </a:rPr>
-                        <m:t>=</m:t>
-                      </m:r>
-                      <m:r>
-                        <a:rPr kumimoji="1" lang="en-US" altLang="ja-JP" sz="2400" b="0" i="1" smtClean="0">
-                          <a:latin typeface="Cambria Math" panose="02040503050406030204" pitchFamily="18" charset="0"/>
-                        </a:rPr>
-                        <m:t>−</m:t>
+                        <m:t>=−</m:t>
                       </m:r>
                       <m:r>
                         <a:rPr kumimoji="1" lang="en-US" altLang="ja-JP" sz="2400" b="0" i="1" smtClean="0">
@@ -2000,7 +2062,7 @@
             </p:txBody>
           </p:sp>
         </mc:Choice>
-        <mc:Fallback>
+        <mc:Fallback xmlns="">
           <p:sp>
             <p:nvSpPr>
               <p:cNvPr id="11" name="テキスト ボックス 10">
@@ -2242,8 +2304,8 @@
           </a:fontRef>
         </p:style>
       </p:cxnSp>
-      <mc:AlternateContent xmlns:mc="http://schemas.openxmlformats.org/markup-compatibility/2006">
-        <mc:Choice xmlns:a14="http://schemas.microsoft.com/office/drawing/2010/main" Requires="a14">
+      <mc:AlternateContent xmlns:mc="http://schemas.openxmlformats.org/markup-compatibility/2006" xmlns:a14="http://schemas.microsoft.com/office/drawing/2010/main">
+        <mc:Choice Requires="a14">
           <p:sp>
             <p:nvSpPr>
               <p:cNvPr id="8" name="テキスト ボックス 7">
@@ -2362,7 +2424,7 @@
             </p:txBody>
           </p:sp>
         </mc:Choice>
-        <mc:Fallback>
+        <mc:Fallback xmlns="">
           <p:sp>
             <p:nvSpPr>
               <p:cNvPr id="8" name="テキスト ボックス 7">
@@ -2412,8 +2474,8 @@
           </p:sp>
         </mc:Fallback>
       </mc:AlternateContent>
-      <mc:AlternateContent xmlns:mc="http://schemas.openxmlformats.org/markup-compatibility/2006">
-        <mc:Choice xmlns:a14="http://schemas.microsoft.com/office/drawing/2010/main" Requires="a14">
+      <mc:AlternateContent xmlns:mc="http://schemas.openxmlformats.org/markup-compatibility/2006" xmlns:a14="http://schemas.microsoft.com/office/drawing/2010/main">
+        <mc:Choice Requires="a14">
           <p:sp>
             <p:nvSpPr>
               <p:cNvPr id="12" name="テキスト ボックス 11">
@@ -2532,7 +2594,7 @@
             </p:txBody>
           </p:sp>
         </mc:Choice>
-        <mc:Fallback>
+        <mc:Fallback xmlns="">
           <p:sp>
             <p:nvSpPr>
               <p:cNvPr id="12" name="テキスト ボックス 11">
@@ -2582,8 +2644,8 @@
           </p:sp>
         </mc:Fallback>
       </mc:AlternateContent>
-      <mc:AlternateContent xmlns:mc="http://schemas.openxmlformats.org/markup-compatibility/2006">
-        <mc:Choice xmlns:a14="http://schemas.microsoft.com/office/drawing/2010/main" Requires="a14">
+      <mc:AlternateContent xmlns:mc="http://schemas.openxmlformats.org/markup-compatibility/2006" xmlns:a14="http://schemas.microsoft.com/office/drawing/2010/main">
+        <mc:Choice Requires="a14">
           <p:sp>
             <p:nvSpPr>
               <p:cNvPr id="13" name="テキスト ボックス 12">
@@ -2702,7 +2764,7 @@
             </p:txBody>
           </p:sp>
         </mc:Choice>
-        <mc:Fallback>
+        <mc:Fallback xmlns="">
           <p:sp>
             <p:nvSpPr>
               <p:cNvPr id="13" name="テキスト ボックス 12">
@@ -2752,8 +2814,8 @@
           </p:sp>
         </mc:Fallback>
       </mc:AlternateContent>
-      <mc:AlternateContent xmlns:mc="http://schemas.openxmlformats.org/markup-compatibility/2006">
-        <mc:Choice xmlns:a14="http://schemas.microsoft.com/office/drawing/2010/main" Requires="a14">
+      <mc:AlternateContent xmlns:mc="http://schemas.openxmlformats.org/markup-compatibility/2006" xmlns:a14="http://schemas.microsoft.com/office/drawing/2010/main">
+        <mc:Choice Requires="a14">
           <p:sp>
             <p:nvSpPr>
               <p:cNvPr id="9" name="テキスト ボックス 8">
@@ -2872,7 +2934,7 @@
             </p:txBody>
           </p:sp>
         </mc:Choice>
-        <mc:Fallback>
+        <mc:Fallback xmlns="">
           <p:sp>
             <p:nvSpPr>
               <p:cNvPr id="9" name="テキスト ボックス 8">
@@ -2954,6 +3016,2417 @@
       </p:grpSpPr>
       <p:sp>
         <p:nvSpPr>
+          <p:cNvPr id="11" name="角丸四角形 10">
+            <a:extLst>
+              <a:ext uri="{FF2B5EF4-FFF2-40B4-BE49-F238E27FC236}">
+                <a16:creationId xmlns:a16="http://schemas.microsoft.com/office/drawing/2014/main" id="{D07DE141-A81F-8A38-E4E8-938FCB4BB5AF}"/>
+              </a:ext>
+            </a:extLst>
+          </p:cNvPr>
+          <p:cNvSpPr/>
+          <p:nvPr/>
+        </p:nvSpPr>
+        <p:spPr>
+          <a:xfrm>
+            <a:off x="1787109" y="1052736"/>
+            <a:ext cx="914079" cy="360040"/>
+          </a:xfrm>
+          <a:prstGeom prst="roundRect">
+            <a:avLst>
+              <a:gd name="adj" fmla="val 34182"/>
+            </a:avLst>
+          </a:prstGeom>
+          <a:solidFill>
+            <a:schemeClr val="accent6">
+              <a:lumMod val="20000"/>
+              <a:lumOff val="80000"/>
+            </a:schemeClr>
+          </a:solidFill>
+          <a:ln>
+            <a:noFill/>
+          </a:ln>
+        </p:spPr>
+        <p:txBody>
+          <a:bodyPr wrap="square" rtlCol="0" anchor="ctr">
+            <a:spAutoFit/>
+          </a:bodyPr>
+          <a:lstStyle/>
+          <a:p>
+            <a:pPr algn="ctr"/>
+            <a:endParaRPr kumimoji="1" lang="ja-JP" altLang="en-US" sz="2400" dirty="0"/>
+          </a:p>
+        </p:txBody>
+      </p:sp>
+      <p:sp>
+        <p:nvSpPr>
+          <p:cNvPr id="12" name="角丸四角形 11">
+            <a:extLst>
+              <a:ext uri="{FF2B5EF4-FFF2-40B4-BE49-F238E27FC236}">
+                <a16:creationId xmlns:a16="http://schemas.microsoft.com/office/drawing/2014/main" id="{BD4074D2-B8E3-C00C-34CC-CE38DD7BD256}"/>
+              </a:ext>
+            </a:extLst>
+          </p:cNvPr>
+          <p:cNvSpPr/>
+          <p:nvPr/>
+        </p:nvSpPr>
+        <p:spPr>
+          <a:xfrm>
+            <a:off x="1798071" y="2099506"/>
+            <a:ext cx="1765817" cy="393390"/>
+          </a:xfrm>
+          <a:prstGeom prst="roundRect">
+            <a:avLst>
+              <a:gd name="adj" fmla="val 34182"/>
+            </a:avLst>
+          </a:prstGeom>
+          <a:solidFill>
+            <a:schemeClr val="accent6">
+              <a:lumMod val="20000"/>
+              <a:lumOff val="80000"/>
+            </a:schemeClr>
+          </a:solidFill>
+          <a:ln>
+            <a:noFill/>
+          </a:ln>
+        </p:spPr>
+        <p:txBody>
+          <a:bodyPr wrap="square" rtlCol="0" anchor="ctr">
+            <a:spAutoFit/>
+          </a:bodyPr>
+          <a:lstStyle/>
+          <a:p>
+            <a:pPr algn="ctr"/>
+            <a:endParaRPr kumimoji="1" lang="ja-JP" altLang="en-US" sz="2400" dirty="0"/>
+          </a:p>
+        </p:txBody>
+      </p:sp>
+      <p:sp>
+        <p:nvSpPr>
+          <p:cNvPr id="13" name="角丸四角形 12">
+            <a:extLst>
+              <a:ext uri="{FF2B5EF4-FFF2-40B4-BE49-F238E27FC236}">
+                <a16:creationId xmlns:a16="http://schemas.microsoft.com/office/drawing/2014/main" id="{5007E67A-4831-410D-F551-F0732241AFD3}"/>
+              </a:ext>
+            </a:extLst>
+          </p:cNvPr>
+          <p:cNvSpPr/>
+          <p:nvPr/>
+        </p:nvSpPr>
+        <p:spPr>
+          <a:xfrm>
+            <a:off x="6173075" y="1052736"/>
+            <a:ext cx="991213" cy="360040"/>
+          </a:xfrm>
+          <a:prstGeom prst="roundRect">
+            <a:avLst>
+              <a:gd name="adj" fmla="val 34182"/>
+            </a:avLst>
+          </a:prstGeom>
+          <a:solidFill>
+            <a:schemeClr val="accent5">
+              <a:lumMod val="20000"/>
+              <a:lumOff val="80000"/>
+            </a:schemeClr>
+          </a:solidFill>
+          <a:ln>
+            <a:noFill/>
+          </a:ln>
+        </p:spPr>
+        <p:txBody>
+          <a:bodyPr wrap="square" rtlCol="0" anchor="ctr">
+            <a:spAutoFit/>
+          </a:bodyPr>
+          <a:lstStyle/>
+          <a:p>
+            <a:pPr algn="ctr"/>
+            <a:endParaRPr kumimoji="1" lang="ja-JP" altLang="en-US" sz="2400" dirty="0"/>
+          </a:p>
+        </p:txBody>
+      </p:sp>
+      <p:sp>
+        <p:nvSpPr>
+          <p:cNvPr id="14" name="角丸四角形 13">
+            <a:extLst>
+              <a:ext uri="{FF2B5EF4-FFF2-40B4-BE49-F238E27FC236}">
+                <a16:creationId xmlns:a16="http://schemas.microsoft.com/office/drawing/2014/main" id="{792DD0E7-BF48-5FF6-C842-D3F01220476D}"/>
+              </a:ext>
+            </a:extLst>
+          </p:cNvPr>
+          <p:cNvSpPr/>
+          <p:nvPr/>
+        </p:nvSpPr>
+        <p:spPr>
+          <a:xfrm>
+            <a:off x="6444208" y="2001499"/>
+            <a:ext cx="1800200" cy="443841"/>
+          </a:xfrm>
+          <a:prstGeom prst="roundRect">
+            <a:avLst>
+              <a:gd name="adj" fmla="val 34182"/>
+            </a:avLst>
+          </a:prstGeom>
+          <a:solidFill>
+            <a:schemeClr val="accent5">
+              <a:lumMod val="20000"/>
+              <a:lumOff val="80000"/>
+            </a:schemeClr>
+          </a:solidFill>
+          <a:ln>
+            <a:noFill/>
+          </a:ln>
+        </p:spPr>
+        <p:txBody>
+          <a:bodyPr wrap="square" rtlCol="0" anchor="ctr">
+            <a:spAutoFit/>
+          </a:bodyPr>
+          <a:lstStyle/>
+          <a:p>
+            <a:pPr algn="ctr"/>
+            <a:endParaRPr kumimoji="1" lang="ja-JP" altLang="en-US" sz="2400" dirty="0"/>
+          </a:p>
+        </p:txBody>
+      </p:sp>
+      <mc:AlternateContent xmlns:mc="http://schemas.openxmlformats.org/markup-compatibility/2006">
+        <mc:Choice xmlns:a14="http://schemas.microsoft.com/office/drawing/2010/main" Requires="a14">
+          <p:sp>
+            <p:nvSpPr>
+              <p:cNvPr id="2" name="テキスト ボックス 1">
+                <a:extLst>
+                  <a:ext uri="{FF2B5EF4-FFF2-40B4-BE49-F238E27FC236}">
+                    <a16:creationId xmlns:a16="http://schemas.microsoft.com/office/drawing/2014/main" id="{5415E9CC-0E7E-3FE9-AD4C-C103533ADEE9}"/>
+                  </a:ext>
+                </a:extLst>
+              </p:cNvPr>
+              <p:cNvSpPr txBox="1"/>
+              <p:nvPr/>
+            </p:nvSpPr>
+            <p:spPr>
+              <a:xfrm>
+                <a:off x="550656" y="787797"/>
+                <a:ext cx="3183885" cy="869405"/>
+              </a:xfrm>
+              <a:prstGeom prst="rect">
+                <a:avLst/>
+              </a:prstGeom>
+              <a:noFill/>
+            </p:spPr>
+            <p:txBody>
+              <a:bodyPr wrap="none" lIns="0" tIns="0" rIns="0" bIns="0" rtlCol="0">
+                <a:spAutoFit/>
+              </a:bodyPr>
+              <a:lstStyle/>
+              <a:p>
+                <a14:m>
+                  <m:oMathPara xmlns:m="http://schemas.openxmlformats.org/officeDocument/2006/math">
+                    <m:oMathParaPr>
+                      <m:jc m:val="centerGroup"/>
+                    </m:oMathParaPr>
+                    <m:oMath xmlns:m="http://schemas.openxmlformats.org/officeDocument/2006/math">
+                      <m:r>
+                        <a:rPr kumimoji="1" lang="en-US" altLang="ja-JP" sz="2400" b="0" i="1" smtClean="0">
+                          <a:latin typeface="Cambria Math" panose="02040503050406030204" pitchFamily="18" charset="0"/>
+                        </a:rPr>
+                        <m:t>𝐼</m:t>
+                      </m:r>
+                      <m:r>
+                        <a:rPr kumimoji="1" lang="en-US" altLang="ja-JP" sz="2400" b="0" i="1" smtClean="0">
+                          <a:latin typeface="Cambria Math" panose="02040503050406030204" pitchFamily="18" charset="0"/>
+                        </a:rPr>
+                        <m:t>=</m:t>
+                      </m:r>
+                      <m:nary>
+                        <m:naryPr>
+                          <m:ctrlPr>
+                            <a:rPr kumimoji="1" lang="ja-JP" altLang="en-US" sz="2400" i="1" smtClean="0">
+                              <a:latin typeface="Cambria Math" panose="02040503050406030204" pitchFamily="18" charset="0"/>
+                            </a:rPr>
+                          </m:ctrlPr>
+                        </m:naryPr>
+                        <m:sub>
+                          <m:sSub>
+                            <m:sSubPr>
+                              <m:ctrlPr>
+                                <a:rPr kumimoji="1" lang="en-US" altLang="ja-JP" sz="2400" b="0" i="1" smtClean="0">
+                                  <a:latin typeface="Cambria Math" panose="02040503050406030204" pitchFamily="18" charset="0"/>
+                                </a:rPr>
+                              </m:ctrlPr>
+                            </m:sSubPr>
+                            <m:e>
+                              <m:r>
+                                <m:rPr>
+                                  <m:brk m:alnAt="23"/>
+                                </m:rPr>
+                                <a:rPr kumimoji="1" lang="en-US" altLang="ja-JP" sz="2400" b="0" i="1" smtClean="0">
+                                  <a:latin typeface="Cambria Math" panose="02040503050406030204" pitchFamily="18" charset="0"/>
+                                </a:rPr>
+                                <m:t>𝑡</m:t>
+                              </m:r>
+                            </m:e>
+                            <m:sub>
+                              <m:r>
+                                <m:rPr>
+                                  <m:brk m:alnAt="23"/>
+                                </m:rPr>
+                                <a:rPr kumimoji="1" lang="en-US" altLang="ja-JP" sz="2400" b="0" i="1" smtClean="0">
+                                  <a:latin typeface="Cambria Math" panose="02040503050406030204" pitchFamily="18" charset="0"/>
+                                </a:rPr>
+                                <m:t>1</m:t>
+                              </m:r>
+                            </m:sub>
+                          </m:sSub>
+                        </m:sub>
+                        <m:sup>
+                          <m:sSub>
+                            <m:sSubPr>
+                              <m:ctrlPr>
+                                <a:rPr kumimoji="1" lang="en-US" altLang="ja-JP" sz="2400" b="0" i="1" smtClean="0">
+                                  <a:latin typeface="Cambria Math" panose="02040503050406030204" pitchFamily="18" charset="0"/>
+                                </a:rPr>
+                              </m:ctrlPr>
+                            </m:sSubPr>
+                            <m:e>
+                              <m:r>
+                                <a:rPr kumimoji="1" lang="en-US" altLang="ja-JP" sz="2400" b="0" i="1" smtClean="0">
+                                  <a:latin typeface="Cambria Math" panose="02040503050406030204" pitchFamily="18" charset="0"/>
+                                </a:rPr>
+                                <m:t>𝑡</m:t>
+                              </m:r>
+                            </m:e>
+                            <m:sub>
+                              <m:r>
+                                <a:rPr kumimoji="1" lang="en-US" altLang="ja-JP" sz="2400" b="0" i="1" smtClean="0">
+                                  <a:latin typeface="Cambria Math" panose="02040503050406030204" pitchFamily="18" charset="0"/>
+                                </a:rPr>
+                                <m:t>2</m:t>
+                              </m:r>
+                            </m:sub>
+                          </m:sSub>
+                        </m:sup>
+                        <m:e>
+                          <m:d>
+                            <m:dPr>
+                              <m:ctrlPr>
+                                <a:rPr kumimoji="1" lang="en-US" altLang="ja-JP" sz="2400" i="1" smtClean="0">
+                                  <a:latin typeface="Cambria Math" panose="02040503050406030204" pitchFamily="18" charset="0"/>
+                                </a:rPr>
+                              </m:ctrlPr>
+                            </m:dPr>
+                            <m:e>
+                              <m:r>
+                                <a:rPr lang="en-US" altLang="ja-JP" sz="2400" i="1">
+                                  <a:latin typeface="Cambria Math" panose="02040503050406030204" pitchFamily="18" charset="0"/>
+                                </a:rPr>
+                                <m:t>𝐿</m:t>
+                              </m:r>
+                              <m:d>
+                                <m:dPr>
+                                  <m:ctrlPr>
+                                    <a:rPr lang="en-US" altLang="ja-JP" sz="2400" i="1">
+                                      <a:latin typeface="Cambria Math" panose="02040503050406030204" pitchFamily="18" charset="0"/>
+                                    </a:rPr>
+                                  </m:ctrlPr>
+                                </m:dPr>
+                                <m:e>
+                                  <m:r>
+                                    <a:rPr lang="en-US" altLang="ja-JP" sz="2400" i="1">
+                                      <a:latin typeface="Cambria Math" panose="02040503050406030204" pitchFamily="18" charset="0"/>
+                                    </a:rPr>
+                                    <m:t>𝑞</m:t>
+                                  </m:r>
+                                  <m:r>
+                                    <a:rPr lang="en-US" altLang="ja-JP" sz="2400" i="1">
+                                      <a:latin typeface="Cambria Math" panose="02040503050406030204" pitchFamily="18" charset="0"/>
+                                    </a:rPr>
+                                    <m:t>,</m:t>
+                                  </m:r>
+                                  <m:acc>
+                                    <m:accPr>
+                                      <m:chr m:val="̇"/>
+                                      <m:ctrlPr>
+                                        <a:rPr lang="en-US" altLang="ja-JP" sz="2400" i="1">
+                                          <a:latin typeface="Cambria Math" panose="02040503050406030204" pitchFamily="18" charset="0"/>
+                                        </a:rPr>
+                                      </m:ctrlPr>
+                                    </m:accPr>
+                                    <m:e>
+                                      <m:r>
+                                        <a:rPr lang="en-US" altLang="ja-JP" sz="2400" i="1">
+                                          <a:latin typeface="Cambria Math" panose="02040503050406030204" pitchFamily="18" charset="0"/>
+                                        </a:rPr>
+                                        <m:t>𝑞</m:t>
+                                      </m:r>
+                                    </m:e>
+                                  </m:acc>
+                                </m:e>
+                              </m:d>
+                              <m:r>
+                                <a:rPr lang="en-US" altLang="ja-JP" sz="2400" i="1">
+                                  <a:latin typeface="Cambria Math" panose="02040503050406030204" pitchFamily="18" charset="0"/>
+                                </a:rPr>
+                                <m:t>+</m:t>
+                              </m:r>
+                              <m:r>
+                                <a:rPr lang="en-US" altLang="ja-JP" sz="2400" b="0" i="1" smtClean="0">
+                                  <a:latin typeface="Cambria Math" panose="02040503050406030204" pitchFamily="18" charset="0"/>
+                                </a:rPr>
+                                <m:t>𝐹</m:t>
+                              </m:r>
+                            </m:e>
+                          </m:d>
+                          <m:r>
+                            <a:rPr kumimoji="1" lang="en-US" altLang="ja-JP" sz="2400" b="0" i="1" smtClean="0">
+                              <a:latin typeface="Cambria Math" panose="02040503050406030204" pitchFamily="18" charset="0"/>
+                            </a:rPr>
+                            <m:t>𝑑𝑡</m:t>
+                          </m:r>
+                        </m:e>
+                      </m:nary>
+                    </m:oMath>
+                  </m:oMathPara>
+                </a14:m>
+                <a:endParaRPr kumimoji="1" lang="ja-JP" altLang="en-US" sz="2400" dirty="0"/>
+              </a:p>
+            </p:txBody>
+          </p:sp>
+        </mc:Choice>
+        <mc:Fallback>
+          <p:sp>
+            <p:nvSpPr>
+              <p:cNvPr id="2" name="テキスト ボックス 1">
+                <a:extLst>
+                  <a:ext uri="{FF2B5EF4-FFF2-40B4-BE49-F238E27FC236}">
+                    <a16:creationId xmlns:a16="http://schemas.microsoft.com/office/drawing/2014/main" id="{5415E9CC-0E7E-3FE9-AD4C-C103533ADEE9}"/>
+                  </a:ext>
+                </a:extLst>
+              </p:cNvPr>
+              <p:cNvSpPr txBox="1">
+                <a:spLocks noRot="1" noChangeAspect="1" noMove="1" noResize="1" noEditPoints="1" noAdjustHandles="1" noChangeArrowheads="1" noChangeShapeType="1" noTextEdit="1"/>
+              </p:cNvSpPr>
+              <p:nvPr/>
+            </p:nvSpPr>
+            <p:spPr>
+              <a:xfrm>
+                <a:off x="550656" y="787797"/>
+                <a:ext cx="3183885" cy="869405"/>
+              </a:xfrm>
+              <a:prstGeom prst="rect">
+                <a:avLst/>
+              </a:prstGeom>
+              <a:blipFill>
+                <a:blip r:embed="rId3"/>
+                <a:stretch>
+                  <a:fillRect l="-21825" t="-172857" b="-250000"/>
+                </a:stretch>
+              </a:blipFill>
+            </p:spPr>
+            <p:txBody>
+              <a:bodyPr/>
+              <a:lstStyle/>
+              <a:p>
+                <a:r>
+                  <a:rPr lang="ja-JP" altLang="en-US">
+                    <a:noFill/>
+                  </a:rPr>
+                  <a:t> </a:t>
+                </a:r>
+              </a:p>
+            </p:txBody>
+          </p:sp>
+        </mc:Fallback>
+      </mc:AlternateContent>
+      <mc:AlternateContent xmlns:mc="http://schemas.openxmlformats.org/markup-compatibility/2006">
+        <mc:Choice xmlns:a14="http://schemas.microsoft.com/office/drawing/2010/main" Requires="a14">
+          <p:sp>
+            <p:nvSpPr>
+              <p:cNvPr id="3" name="テキスト ボックス 2">
+                <a:extLst>
+                  <a:ext uri="{FF2B5EF4-FFF2-40B4-BE49-F238E27FC236}">
+                    <a16:creationId xmlns:a16="http://schemas.microsoft.com/office/drawing/2014/main" id="{DAEB3F55-E66E-89A3-06A9-9537DF5E79A9}"/>
+                  </a:ext>
+                </a:extLst>
+              </p:cNvPr>
+              <p:cNvSpPr txBox="1"/>
+              <p:nvPr/>
+            </p:nvSpPr>
+            <p:spPr>
+              <a:xfrm>
+                <a:off x="4973596" y="789157"/>
+                <a:ext cx="2412968" cy="869405"/>
+              </a:xfrm>
+              <a:prstGeom prst="rect">
+                <a:avLst/>
+              </a:prstGeom>
+              <a:noFill/>
+            </p:spPr>
+            <p:txBody>
+              <a:bodyPr wrap="none" lIns="0" tIns="0" rIns="0" bIns="0" rtlCol="0">
+                <a:spAutoFit/>
+              </a:bodyPr>
+              <a:lstStyle/>
+              <a:p>
+                <a14:m>
+                  <m:oMathPara xmlns:m="http://schemas.openxmlformats.org/officeDocument/2006/math">
+                    <m:oMathParaPr>
+                      <m:jc m:val="centerGroup"/>
+                    </m:oMathParaPr>
+                    <m:oMath xmlns:m="http://schemas.openxmlformats.org/officeDocument/2006/math">
+                      <m:r>
+                        <a:rPr lang="en-US" altLang="ja-JP" sz="2400" b="0" i="1" smtClean="0">
+                          <a:latin typeface="Cambria Math" panose="02040503050406030204" pitchFamily="18" charset="0"/>
+                        </a:rPr>
+                        <m:t>𝐼</m:t>
+                      </m:r>
+                      <m:r>
+                        <a:rPr lang="en-US" altLang="ja-JP" sz="2400" i="1">
+                          <a:latin typeface="Cambria Math" panose="02040503050406030204" pitchFamily="18" charset="0"/>
+                        </a:rPr>
+                        <m:t>= </m:t>
+                      </m:r>
+                      <m:nary>
+                        <m:naryPr>
+                          <m:ctrlPr>
+                            <a:rPr kumimoji="1" lang="ja-JP" altLang="en-US" sz="2400" i="1" smtClean="0">
+                              <a:latin typeface="Cambria Math" panose="02040503050406030204" pitchFamily="18" charset="0"/>
+                            </a:rPr>
+                          </m:ctrlPr>
+                        </m:naryPr>
+                        <m:sub>
+                          <m:sSub>
+                            <m:sSubPr>
+                              <m:ctrlPr>
+                                <a:rPr kumimoji="1" lang="en-US" altLang="ja-JP" sz="2400" b="0" i="1" smtClean="0">
+                                  <a:latin typeface="Cambria Math" panose="02040503050406030204" pitchFamily="18" charset="0"/>
+                                </a:rPr>
+                              </m:ctrlPr>
+                            </m:sSubPr>
+                            <m:e>
+                              <m:r>
+                                <m:rPr>
+                                  <m:brk m:alnAt="23"/>
+                                </m:rPr>
+                                <a:rPr kumimoji="1" lang="en-US" altLang="ja-JP" sz="2400" b="0" i="1" smtClean="0">
+                                  <a:latin typeface="Cambria Math" panose="02040503050406030204" pitchFamily="18" charset="0"/>
+                                </a:rPr>
+                                <m:t>𝑡</m:t>
+                              </m:r>
+                            </m:e>
+                            <m:sub>
+                              <m:r>
+                                <m:rPr>
+                                  <m:brk m:alnAt="23"/>
+                                </m:rPr>
+                                <a:rPr kumimoji="1" lang="en-US" altLang="ja-JP" sz="2400" b="0" i="1" smtClean="0">
+                                  <a:latin typeface="Cambria Math" panose="02040503050406030204" pitchFamily="18" charset="0"/>
+                                </a:rPr>
+                                <m:t>1</m:t>
+                              </m:r>
+                            </m:sub>
+                          </m:sSub>
+                        </m:sub>
+                        <m:sup>
+                          <m:sSub>
+                            <m:sSubPr>
+                              <m:ctrlPr>
+                                <a:rPr kumimoji="1" lang="en-US" altLang="ja-JP" sz="2400" b="0" i="1" smtClean="0">
+                                  <a:latin typeface="Cambria Math" panose="02040503050406030204" pitchFamily="18" charset="0"/>
+                                </a:rPr>
+                              </m:ctrlPr>
+                            </m:sSubPr>
+                            <m:e>
+                              <m:r>
+                                <a:rPr kumimoji="1" lang="en-US" altLang="ja-JP" sz="2400" b="0" i="1" smtClean="0">
+                                  <a:latin typeface="Cambria Math" panose="02040503050406030204" pitchFamily="18" charset="0"/>
+                                </a:rPr>
+                                <m:t>𝑡</m:t>
+                              </m:r>
+                            </m:e>
+                            <m:sub>
+                              <m:r>
+                                <a:rPr kumimoji="1" lang="en-US" altLang="ja-JP" sz="2400" b="0" i="1" smtClean="0">
+                                  <a:latin typeface="Cambria Math" panose="02040503050406030204" pitchFamily="18" charset="0"/>
+                                </a:rPr>
+                                <m:t>2</m:t>
+                              </m:r>
+                            </m:sub>
+                          </m:sSub>
+                        </m:sup>
+                        <m:e>
+                          <m:r>
+                            <a:rPr kumimoji="1" lang="en-US" altLang="ja-JP" sz="2400" i="1" smtClean="0">
+                              <a:latin typeface="Cambria Math" panose="02040503050406030204" pitchFamily="18" charset="0"/>
+                            </a:rPr>
+                            <m:t>𝐿</m:t>
+                          </m:r>
+                          <m:r>
+                            <a:rPr kumimoji="1" lang="en-US" altLang="ja-JP" sz="2400" b="0" i="1" smtClean="0">
+                              <a:latin typeface="Cambria Math" panose="02040503050406030204" pitchFamily="18" charset="0"/>
+                            </a:rPr>
+                            <m:t>(</m:t>
+                          </m:r>
+                          <m:r>
+                            <a:rPr kumimoji="1" lang="en-US" altLang="ja-JP" sz="2400" b="0" i="1" smtClean="0">
+                              <a:latin typeface="Cambria Math" panose="02040503050406030204" pitchFamily="18" charset="0"/>
+                            </a:rPr>
+                            <m:t>𝑄</m:t>
+                          </m:r>
+                          <m:r>
+                            <a:rPr kumimoji="1" lang="en-US" altLang="ja-JP" sz="2400" b="0" i="1" smtClean="0">
+                              <a:latin typeface="Cambria Math" panose="02040503050406030204" pitchFamily="18" charset="0"/>
+                            </a:rPr>
+                            <m:t>,</m:t>
+                          </m:r>
+                          <m:acc>
+                            <m:accPr>
+                              <m:chr m:val="̇"/>
+                              <m:ctrlPr>
+                                <a:rPr kumimoji="1" lang="en-US" altLang="ja-JP" sz="2400" b="0" i="1" smtClean="0">
+                                  <a:latin typeface="Cambria Math" panose="02040503050406030204" pitchFamily="18" charset="0"/>
+                                </a:rPr>
+                              </m:ctrlPr>
+                            </m:accPr>
+                            <m:e>
+                              <m:r>
+                                <a:rPr kumimoji="1" lang="en-US" altLang="ja-JP" sz="2400" b="0" i="1" smtClean="0">
+                                  <a:latin typeface="Cambria Math" panose="02040503050406030204" pitchFamily="18" charset="0"/>
+                                </a:rPr>
+                                <m:t>𝑄</m:t>
+                              </m:r>
+                            </m:e>
+                          </m:acc>
+                          <m:r>
+                            <a:rPr kumimoji="1" lang="en-US" altLang="ja-JP" sz="2400" b="0" i="1" smtClean="0">
+                              <a:latin typeface="Cambria Math" panose="02040503050406030204" pitchFamily="18" charset="0"/>
+                            </a:rPr>
+                            <m:t>)</m:t>
+                          </m:r>
+                          <m:r>
+                            <a:rPr kumimoji="1" lang="en-US" altLang="ja-JP" sz="2400" b="0" i="1" smtClean="0">
+                              <a:latin typeface="Cambria Math" panose="02040503050406030204" pitchFamily="18" charset="0"/>
+                            </a:rPr>
+                            <m:t>𝑑𝑡</m:t>
+                          </m:r>
+                        </m:e>
+                      </m:nary>
+                    </m:oMath>
+                  </m:oMathPara>
+                </a14:m>
+                <a:endParaRPr kumimoji="1" lang="ja-JP" altLang="en-US" sz="2400" dirty="0"/>
+              </a:p>
+            </p:txBody>
+          </p:sp>
+        </mc:Choice>
+        <mc:Fallback>
+          <p:sp>
+            <p:nvSpPr>
+              <p:cNvPr id="3" name="テキスト ボックス 2">
+                <a:extLst>
+                  <a:ext uri="{FF2B5EF4-FFF2-40B4-BE49-F238E27FC236}">
+                    <a16:creationId xmlns:a16="http://schemas.microsoft.com/office/drawing/2014/main" id="{DAEB3F55-E66E-89A3-06A9-9537DF5E79A9}"/>
+                  </a:ext>
+                </a:extLst>
+              </p:cNvPr>
+              <p:cNvSpPr txBox="1">
+                <a:spLocks noRot="1" noChangeAspect="1" noMove="1" noResize="1" noEditPoints="1" noAdjustHandles="1" noChangeArrowheads="1" noChangeShapeType="1" noTextEdit="1"/>
+              </p:cNvSpPr>
+              <p:nvPr/>
+            </p:nvSpPr>
+            <p:spPr>
+              <a:xfrm>
+                <a:off x="4973596" y="789157"/>
+                <a:ext cx="2412968" cy="869405"/>
+              </a:xfrm>
+              <a:prstGeom prst="rect">
+                <a:avLst/>
+              </a:prstGeom>
+              <a:blipFill>
+                <a:blip r:embed="rId4"/>
+                <a:stretch>
+                  <a:fillRect l="-28272" t="-172857" r="-2618" b="-250000"/>
+                </a:stretch>
+              </a:blipFill>
+            </p:spPr>
+            <p:txBody>
+              <a:bodyPr/>
+              <a:lstStyle/>
+              <a:p>
+                <a:r>
+                  <a:rPr lang="ja-JP" altLang="en-US">
+                    <a:noFill/>
+                  </a:rPr>
+                  <a:t> </a:t>
+                </a:r>
+              </a:p>
+            </p:txBody>
+          </p:sp>
+        </mc:Fallback>
+      </mc:AlternateContent>
+      <mc:AlternateContent xmlns:mc="http://schemas.openxmlformats.org/markup-compatibility/2006">
+        <mc:Choice xmlns:a14="http://schemas.microsoft.com/office/drawing/2010/main" Requires="a14">
+          <p:sp>
+            <p:nvSpPr>
+              <p:cNvPr id="5" name="テキスト ボックス 4">
+                <a:extLst>
+                  <a:ext uri="{FF2B5EF4-FFF2-40B4-BE49-F238E27FC236}">
+                    <a16:creationId xmlns:a16="http://schemas.microsoft.com/office/drawing/2014/main" id="{8B3E4097-3AD6-04CE-88D3-C2D3EB7762A9}"/>
+                  </a:ext>
+                </a:extLst>
+              </p:cNvPr>
+              <p:cNvSpPr txBox="1"/>
+              <p:nvPr/>
+            </p:nvSpPr>
+            <p:spPr>
+              <a:xfrm>
+                <a:off x="549289" y="1843464"/>
+                <a:ext cx="4098879" cy="869405"/>
+              </a:xfrm>
+              <a:prstGeom prst="rect">
+                <a:avLst/>
+              </a:prstGeom>
+              <a:noFill/>
+            </p:spPr>
+            <p:txBody>
+              <a:bodyPr wrap="none" lIns="0" tIns="0" rIns="0" bIns="0" rtlCol="0">
+                <a:spAutoFit/>
+              </a:bodyPr>
+              <a:lstStyle/>
+              <a:p>
+                <a14:m>
+                  <m:oMathPara xmlns:m="http://schemas.openxmlformats.org/officeDocument/2006/math">
+                    <m:oMathParaPr>
+                      <m:jc m:val="centerGroup"/>
+                    </m:oMathParaPr>
+                    <m:oMath xmlns:m="http://schemas.openxmlformats.org/officeDocument/2006/math">
+                      <m:r>
+                        <a:rPr lang="en-US" altLang="ja-JP" sz="2400" i="1" smtClean="0">
+                          <a:latin typeface="Cambria Math" panose="02040503050406030204" pitchFamily="18" charset="0"/>
+                        </a:rPr>
+                        <m:t>𝐼</m:t>
+                      </m:r>
+                      <m:r>
+                        <a:rPr lang="en-US" altLang="ja-JP" sz="2400" i="1" smtClean="0">
+                          <a:latin typeface="Cambria Math" panose="02040503050406030204" pitchFamily="18" charset="0"/>
+                        </a:rPr>
+                        <m:t>= </m:t>
+                      </m:r>
+                      <m:nary>
+                        <m:naryPr>
+                          <m:ctrlPr>
+                            <a:rPr kumimoji="1" lang="ja-JP" altLang="en-US" sz="2400" i="1" smtClean="0">
+                              <a:latin typeface="Cambria Math" panose="02040503050406030204" pitchFamily="18" charset="0"/>
+                            </a:rPr>
+                          </m:ctrlPr>
+                        </m:naryPr>
+                        <m:sub>
+                          <m:sSub>
+                            <m:sSubPr>
+                              <m:ctrlPr>
+                                <a:rPr kumimoji="1" lang="en-US" altLang="ja-JP" sz="2400" b="0" i="1" smtClean="0">
+                                  <a:latin typeface="Cambria Math" panose="02040503050406030204" pitchFamily="18" charset="0"/>
+                                </a:rPr>
+                              </m:ctrlPr>
+                            </m:sSubPr>
+                            <m:e>
+                              <m:r>
+                                <m:rPr>
+                                  <m:brk m:alnAt="23"/>
+                                </m:rPr>
+                                <a:rPr kumimoji="1" lang="en-US" altLang="ja-JP" sz="2400" b="0" i="1" smtClean="0">
+                                  <a:latin typeface="Cambria Math" panose="02040503050406030204" pitchFamily="18" charset="0"/>
+                                </a:rPr>
+                                <m:t>𝑡</m:t>
+                              </m:r>
+                            </m:e>
+                            <m:sub>
+                              <m:r>
+                                <m:rPr>
+                                  <m:brk m:alnAt="23"/>
+                                </m:rPr>
+                                <a:rPr kumimoji="1" lang="en-US" altLang="ja-JP" sz="2400" b="0" i="1" smtClean="0">
+                                  <a:latin typeface="Cambria Math" panose="02040503050406030204" pitchFamily="18" charset="0"/>
+                                </a:rPr>
+                                <m:t>1</m:t>
+                              </m:r>
+                            </m:sub>
+                          </m:sSub>
+                        </m:sub>
+                        <m:sup>
+                          <m:sSub>
+                            <m:sSubPr>
+                              <m:ctrlPr>
+                                <a:rPr kumimoji="1" lang="en-US" altLang="ja-JP" sz="2400" b="0" i="1" smtClean="0">
+                                  <a:latin typeface="Cambria Math" panose="02040503050406030204" pitchFamily="18" charset="0"/>
+                                </a:rPr>
+                              </m:ctrlPr>
+                            </m:sSubPr>
+                            <m:e>
+                              <m:r>
+                                <a:rPr kumimoji="1" lang="en-US" altLang="ja-JP" sz="2400" b="0" i="1" smtClean="0">
+                                  <a:latin typeface="Cambria Math" panose="02040503050406030204" pitchFamily="18" charset="0"/>
+                                </a:rPr>
+                                <m:t>𝑡</m:t>
+                              </m:r>
+                            </m:e>
+                            <m:sub>
+                              <m:r>
+                                <a:rPr kumimoji="1" lang="en-US" altLang="ja-JP" sz="2400" b="0" i="1" smtClean="0">
+                                  <a:latin typeface="Cambria Math" panose="02040503050406030204" pitchFamily="18" charset="0"/>
+                                </a:rPr>
+                                <m:t>2</m:t>
+                              </m:r>
+                            </m:sub>
+                          </m:sSub>
+                        </m:sup>
+                        <m:e>
+                          <m:d>
+                            <m:dPr>
+                              <m:ctrlPr>
+                                <a:rPr kumimoji="1" lang="en-US" altLang="ja-JP" sz="2400" i="1" smtClean="0">
+                                  <a:latin typeface="Cambria Math" panose="02040503050406030204" pitchFamily="18" charset="0"/>
+                                </a:rPr>
+                              </m:ctrlPr>
+                            </m:dPr>
+                            <m:e>
+                              <m:r>
+                                <a:rPr kumimoji="1" lang="en-US" altLang="ja-JP" sz="2400" b="0" i="1" smtClean="0">
+                                  <a:latin typeface="Cambria Math" panose="02040503050406030204" pitchFamily="18" charset="0"/>
+                                </a:rPr>
+                                <m:t>𝑝</m:t>
+                              </m:r>
+                              <m:acc>
+                                <m:accPr>
+                                  <m:chr m:val="̇"/>
+                                  <m:ctrlPr>
+                                    <a:rPr kumimoji="1" lang="en-US" altLang="ja-JP" sz="2400" b="0" i="1" smtClean="0">
+                                      <a:latin typeface="Cambria Math" panose="02040503050406030204" pitchFamily="18" charset="0"/>
+                                    </a:rPr>
+                                  </m:ctrlPr>
+                                </m:accPr>
+                                <m:e>
+                                  <m:r>
+                                    <a:rPr kumimoji="1" lang="en-US" altLang="ja-JP" sz="2400" b="0" i="1" smtClean="0">
+                                      <a:latin typeface="Cambria Math" panose="02040503050406030204" pitchFamily="18" charset="0"/>
+                                    </a:rPr>
+                                    <m:t>𝑞</m:t>
+                                  </m:r>
+                                </m:e>
+                              </m:acc>
+                              <m:r>
+                                <a:rPr kumimoji="1" lang="en-US" altLang="ja-JP" sz="2400" b="0" i="1" smtClean="0">
+                                  <a:latin typeface="Cambria Math" panose="02040503050406030204" pitchFamily="18" charset="0"/>
+                                </a:rPr>
+                                <m:t>−</m:t>
+                              </m:r>
+                              <m:r>
+                                <a:rPr kumimoji="1" lang="en-US" altLang="ja-JP" sz="2400" b="0" i="1" smtClean="0">
+                                  <a:latin typeface="Cambria Math" panose="02040503050406030204" pitchFamily="18" charset="0"/>
+                                </a:rPr>
+                                <m:t>𝐻</m:t>
+                              </m:r>
+                              <m:d>
+                                <m:dPr>
+                                  <m:ctrlPr>
+                                    <a:rPr kumimoji="1" lang="en-US" altLang="ja-JP" sz="2400" b="0" i="1" smtClean="0">
+                                      <a:latin typeface="Cambria Math" panose="02040503050406030204" pitchFamily="18" charset="0"/>
+                                    </a:rPr>
+                                  </m:ctrlPr>
+                                </m:dPr>
+                                <m:e>
+                                  <m:r>
+                                    <a:rPr kumimoji="1" lang="en-US" altLang="ja-JP" sz="2400" b="0" i="1" smtClean="0">
+                                      <a:latin typeface="Cambria Math" panose="02040503050406030204" pitchFamily="18" charset="0"/>
+                                    </a:rPr>
+                                    <m:t>𝑞</m:t>
+                                  </m:r>
+                                  <m:r>
+                                    <a:rPr kumimoji="1" lang="en-US" altLang="ja-JP" sz="2400" b="0" i="1" smtClean="0">
+                                      <a:latin typeface="Cambria Math" panose="02040503050406030204" pitchFamily="18" charset="0"/>
+                                    </a:rPr>
+                                    <m:t>,</m:t>
+                                  </m:r>
+                                  <m:r>
+                                    <a:rPr kumimoji="1" lang="en-US" altLang="ja-JP" sz="2400" b="0" i="1" smtClean="0">
+                                      <a:latin typeface="Cambria Math" panose="02040503050406030204" pitchFamily="18" charset="0"/>
+                                    </a:rPr>
+                                    <m:t>𝑝</m:t>
+                                  </m:r>
+                                </m:e>
+                              </m:d>
+                              <m:r>
+                                <a:rPr kumimoji="1" lang="en-US" altLang="ja-JP" sz="2400" b="0" i="1" smtClean="0">
+                                  <a:latin typeface="Cambria Math" panose="02040503050406030204" pitchFamily="18" charset="0"/>
+                                </a:rPr>
+                                <m:t>+</m:t>
+                              </m:r>
+                              <m:r>
+                                <a:rPr kumimoji="1" lang="en-US" altLang="ja-JP" sz="2400" b="0" i="1" smtClean="0">
+                                  <a:latin typeface="Cambria Math" panose="02040503050406030204" pitchFamily="18" charset="0"/>
+                                </a:rPr>
+                                <m:t>𝐹</m:t>
+                              </m:r>
+                            </m:e>
+                          </m:d>
+                          <m:r>
+                            <a:rPr kumimoji="1" lang="en-US" altLang="ja-JP" sz="2400" b="0" i="1" smtClean="0">
+                              <a:latin typeface="Cambria Math" panose="02040503050406030204" pitchFamily="18" charset="0"/>
+                            </a:rPr>
+                            <m:t>𝑑𝑡</m:t>
+                          </m:r>
+                          <m:r>
+                            <a:rPr kumimoji="1" lang="en-US" altLang="ja-JP" sz="2400" b="0" i="1" smtClean="0">
+                              <a:latin typeface="Cambria Math" panose="02040503050406030204" pitchFamily="18" charset="0"/>
+                            </a:rPr>
+                            <m:t> </m:t>
+                          </m:r>
+                        </m:e>
+                      </m:nary>
+                    </m:oMath>
+                  </m:oMathPara>
+                </a14:m>
+                <a:endParaRPr kumimoji="1" lang="ja-JP" altLang="en-US" sz="2400" dirty="0"/>
+              </a:p>
+            </p:txBody>
+          </p:sp>
+        </mc:Choice>
+        <mc:Fallback>
+          <p:sp>
+            <p:nvSpPr>
+              <p:cNvPr id="5" name="テキスト ボックス 4">
+                <a:extLst>
+                  <a:ext uri="{FF2B5EF4-FFF2-40B4-BE49-F238E27FC236}">
+                    <a16:creationId xmlns:a16="http://schemas.microsoft.com/office/drawing/2014/main" id="{8B3E4097-3AD6-04CE-88D3-C2D3EB7762A9}"/>
+                  </a:ext>
+                </a:extLst>
+              </p:cNvPr>
+              <p:cNvSpPr txBox="1">
+                <a:spLocks noRot="1" noChangeAspect="1" noMove="1" noResize="1" noEditPoints="1" noAdjustHandles="1" noChangeArrowheads="1" noChangeShapeType="1" noTextEdit="1"/>
+              </p:cNvSpPr>
+              <p:nvPr/>
+            </p:nvSpPr>
+            <p:spPr>
+              <a:xfrm>
+                <a:off x="549289" y="1843464"/>
+                <a:ext cx="4098879" cy="869405"/>
+              </a:xfrm>
+              <a:prstGeom prst="rect">
+                <a:avLst/>
+              </a:prstGeom>
+              <a:blipFill>
+                <a:blip r:embed="rId5"/>
+                <a:stretch>
+                  <a:fillRect l="-15480" t="-171429" r="-1548" b="-250000"/>
+                </a:stretch>
+              </a:blipFill>
+            </p:spPr>
+            <p:txBody>
+              <a:bodyPr/>
+              <a:lstStyle/>
+              <a:p>
+                <a:r>
+                  <a:rPr lang="ja-JP" altLang="en-US">
+                    <a:noFill/>
+                  </a:rPr>
+                  <a:t> </a:t>
+                </a:r>
+              </a:p>
+            </p:txBody>
+          </p:sp>
+        </mc:Fallback>
+      </mc:AlternateContent>
+      <mc:AlternateContent xmlns:mc="http://schemas.openxmlformats.org/markup-compatibility/2006">
+        <mc:Choice xmlns:a14="http://schemas.microsoft.com/office/drawing/2010/main" Requires="a14">
+          <p:sp>
+            <p:nvSpPr>
+              <p:cNvPr id="6" name="テキスト ボックス 5">
+                <a:extLst>
+                  <a:ext uri="{FF2B5EF4-FFF2-40B4-BE49-F238E27FC236}">
+                    <a16:creationId xmlns:a16="http://schemas.microsoft.com/office/drawing/2014/main" id="{9146FA42-3A66-EAB0-7358-1E7281310ACB}"/>
+                  </a:ext>
+                </a:extLst>
+              </p:cNvPr>
+              <p:cNvSpPr txBox="1"/>
+              <p:nvPr/>
+            </p:nvSpPr>
+            <p:spPr>
+              <a:xfrm>
+                <a:off x="5004048" y="1772816"/>
+                <a:ext cx="3767442" cy="869405"/>
+              </a:xfrm>
+              <a:prstGeom prst="rect">
+                <a:avLst/>
+              </a:prstGeom>
+              <a:noFill/>
+            </p:spPr>
+            <p:txBody>
+              <a:bodyPr wrap="none" lIns="0" tIns="0" rIns="0" bIns="0" rtlCol="0">
+                <a:spAutoFit/>
+              </a:bodyPr>
+              <a:lstStyle/>
+              <a:p>
+                <a14:m>
+                  <m:oMathPara xmlns:m="http://schemas.openxmlformats.org/officeDocument/2006/math">
+                    <m:oMathParaPr>
+                      <m:jc m:val="centerGroup"/>
+                    </m:oMathParaPr>
+                    <m:oMath xmlns:m="http://schemas.openxmlformats.org/officeDocument/2006/math">
+                      <m:r>
+                        <a:rPr lang="en-US" altLang="ja-JP" sz="2400" b="0" i="1" smtClean="0">
+                          <a:latin typeface="Cambria Math" panose="02040503050406030204" pitchFamily="18" charset="0"/>
+                        </a:rPr>
+                        <m:t>𝐼</m:t>
+                      </m:r>
+                      <m:r>
+                        <a:rPr lang="en-US" altLang="ja-JP" sz="2400" i="1">
+                          <a:latin typeface="Cambria Math" panose="02040503050406030204" pitchFamily="18" charset="0"/>
+                        </a:rPr>
+                        <m:t>= </m:t>
+                      </m:r>
+                      <m:nary>
+                        <m:naryPr>
+                          <m:ctrlPr>
+                            <a:rPr kumimoji="1" lang="ja-JP" altLang="en-US" sz="2400" i="1" smtClean="0">
+                              <a:latin typeface="Cambria Math" panose="02040503050406030204" pitchFamily="18" charset="0"/>
+                            </a:rPr>
+                          </m:ctrlPr>
+                        </m:naryPr>
+                        <m:sub>
+                          <m:sSub>
+                            <m:sSubPr>
+                              <m:ctrlPr>
+                                <a:rPr kumimoji="1" lang="en-US" altLang="ja-JP" sz="2400" b="0" i="1" smtClean="0">
+                                  <a:latin typeface="Cambria Math" panose="02040503050406030204" pitchFamily="18" charset="0"/>
+                                </a:rPr>
+                              </m:ctrlPr>
+                            </m:sSubPr>
+                            <m:e>
+                              <m:r>
+                                <m:rPr>
+                                  <m:brk m:alnAt="23"/>
+                                </m:rPr>
+                                <a:rPr kumimoji="1" lang="en-US" altLang="ja-JP" sz="2400" b="0" i="1" smtClean="0">
+                                  <a:latin typeface="Cambria Math" panose="02040503050406030204" pitchFamily="18" charset="0"/>
+                                </a:rPr>
+                                <m:t>𝑡</m:t>
+                              </m:r>
+                            </m:e>
+                            <m:sub>
+                              <m:r>
+                                <m:rPr>
+                                  <m:brk m:alnAt="23"/>
+                                </m:rPr>
+                                <a:rPr kumimoji="1" lang="en-US" altLang="ja-JP" sz="2400" b="0" i="1" smtClean="0">
+                                  <a:latin typeface="Cambria Math" panose="02040503050406030204" pitchFamily="18" charset="0"/>
+                                </a:rPr>
+                                <m:t>1</m:t>
+                              </m:r>
+                            </m:sub>
+                          </m:sSub>
+                        </m:sub>
+                        <m:sup>
+                          <m:sSub>
+                            <m:sSubPr>
+                              <m:ctrlPr>
+                                <a:rPr kumimoji="1" lang="en-US" altLang="ja-JP" sz="2400" b="0" i="1" smtClean="0">
+                                  <a:latin typeface="Cambria Math" panose="02040503050406030204" pitchFamily="18" charset="0"/>
+                                </a:rPr>
+                              </m:ctrlPr>
+                            </m:sSubPr>
+                            <m:e>
+                              <m:r>
+                                <a:rPr kumimoji="1" lang="en-US" altLang="ja-JP" sz="2400" b="0" i="1" smtClean="0">
+                                  <a:latin typeface="Cambria Math" panose="02040503050406030204" pitchFamily="18" charset="0"/>
+                                </a:rPr>
+                                <m:t>𝑡</m:t>
+                              </m:r>
+                            </m:e>
+                            <m:sub>
+                              <m:r>
+                                <a:rPr kumimoji="1" lang="en-US" altLang="ja-JP" sz="2400" b="0" i="1" smtClean="0">
+                                  <a:latin typeface="Cambria Math" panose="02040503050406030204" pitchFamily="18" charset="0"/>
+                                </a:rPr>
+                                <m:t>2</m:t>
+                              </m:r>
+                            </m:sub>
+                          </m:sSub>
+                        </m:sup>
+                        <m:e>
+                          <m:d>
+                            <m:dPr>
+                              <m:ctrlPr>
+                                <a:rPr kumimoji="1" lang="en-US" altLang="ja-JP" sz="2400" i="1" smtClean="0">
+                                  <a:latin typeface="Cambria Math" panose="02040503050406030204" pitchFamily="18" charset="0"/>
+                                </a:rPr>
+                              </m:ctrlPr>
+                            </m:dPr>
+                            <m:e>
+                              <m:r>
+                                <a:rPr kumimoji="1" lang="en-US" altLang="ja-JP" sz="2400" b="0" i="1" smtClean="0">
+                                  <a:latin typeface="Cambria Math" panose="02040503050406030204" pitchFamily="18" charset="0"/>
+                                </a:rPr>
+                                <m:t>𝑃</m:t>
+                              </m:r>
+                              <m:acc>
+                                <m:accPr>
+                                  <m:chr m:val="̇"/>
+                                  <m:ctrlPr>
+                                    <a:rPr kumimoji="1" lang="en-US" altLang="ja-JP" sz="2400" b="0" i="1" smtClean="0">
+                                      <a:latin typeface="Cambria Math" panose="02040503050406030204" pitchFamily="18" charset="0"/>
+                                    </a:rPr>
+                                  </m:ctrlPr>
+                                </m:accPr>
+                                <m:e>
+                                  <m:r>
+                                    <m:rPr>
+                                      <m:brk m:alnAt="23"/>
+                                    </m:rPr>
+                                    <a:rPr kumimoji="1" lang="en-US" altLang="ja-JP" sz="2400" b="0" i="1" smtClean="0">
+                                      <a:latin typeface="Cambria Math" panose="02040503050406030204" pitchFamily="18" charset="0"/>
+                                    </a:rPr>
+                                    <m:t>𝑄</m:t>
+                                  </m:r>
+                                </m:e>
+                              </m:acc>
+                              <m:r>
+                                <a:rPr kumimoji="1" lang="en-US" altLang="ja-JP" sz="2400" b="0" i="1" smtClean="0">
+                                  <a:latin typeface="Cambria Math" panose="02040503050406030204" pitchFamily="18" charset="0"/>
+                                </a:rPr>
+                                <m:t>−</m:t>
+                              </m:r>
+                              <m:r>
+                                <a:rPr kumimoji="1" lang="en-US" altLang="ja-JP" sz="2400" b="0" i="1" smtClean="0">
+                                  <a:latin typeface="Cambria Math" panose="02040503050406030204" pitchFamily="18" charset="0"/>
+                                </a:rPr>
+                                <m:t>𝐻</m:t>
+                              </m:r>
+                              <m:d>
+                                <m:dPr>
+                                  <m:ctrlPr>
+                                    <a:rPr kumimoji="1" lang="en-US" altLang="ja-JP" sz="2400" b="0" i="1" smtClean="0">
+                                      <a:latin typeface="Cambria Math" panose="02040503050406030204" pitchFamily="18" charset="0"/>
+                                    </a:rPr>
+                                  </m:ctrlPr>
+                                </m:dPr>
+                                <m:e>
+                                  <m:r>
+                                    <a:rPr kumimoji="1" lang="en-US" altLang="ja-JP" sz="2400" b="0" i="1" smtClean="0">
+                                      <a:latin typeface="Cambria Math" panose="02040503050406030204" pitchFamily="18" charset="0"/>
+                                    </a:rPr>
+                                    <m:t>𝑄</m:t>
+                                  </m:r>
+                                  <m:r>
+                                    <a:rPr kumimoji="1" lang="en-US" altLang="ja-JP" sz="2400" b="0" i="1" smtClean="0">
+                                      <a:latin typeface="Cambria Math" panose="02040503050406030204" pitchFamily="18" charset="0"/>
+                                    </a:rPr>
+                                    <m:t>,</m:t>
+                                  </m:r>
+                                  <m:r>
+                                    <a:rPr kumimoji="1" lang="en-US" altLang="ja-JP" sz="2400" b="0" i="1" smtClean="0">
+                                      <a:latin typeface="Cambria Math" panose="02040503050406030204" pitchFamily="18" charset="0"/>
+                                    </a:rPr>
+                                    <m:t>𝑃</m:t>
+                                  </m:r>
+                                </m:e>
+                              </m:d>
+                            </m:e>
+                          </m:d>
+                          <m:r>
+                            <a:rPr kumimoji="1" lang="en-US" altLang="ja-JP" sz="2400" b="0" i="1" smtClean="0">
+                              <a:latin typeface="Cambria Math" panose="02040503050406030204" pitchFamily="18" charset="0"/>
+                            </a:rPr>
+                            <m:t>𝑑𝑡</m:t>
+                          </m:r>
+                          <m:r>
+                            <a:rPr kumimoji="1" lang="en-US" altLang="ja-JP" sz="2400" b="0" i="1" smtClean="0">
+                              <a:latin typeface="Cambria Math" panose="02040503050406030204" pitchFamily="18" charset="0"/>
+                            </a:rPr>
+                            <m:t> </m:t>
+                          </m:r>
+                        </m:e>
+                      </m:nary>
+                    </m:oMath>
+                  </m:oMathPara>
+                </a14:m>
+                <a:endParaRPr kumimoji="1" lang="ja-JP" altLang="en-US" sz="2400" dirty="0"/>
+              </a:p>
+            </p:txBody>
+          </p:sp>
+        </mc:Choice>
+        <mc:Fallback>
+          <p:sp>
+            <p:nvSpPr>
+              <p:cNvPr id="6" name="テキスト ボックス 5">
+                <a:extLst>
+                  <a:ext uri="{FF2B5EF4-FFF2-40B4-BE49-F238E27FC236}">
+                    <a16:creationId xmlns:a16="http://schemas.microsoft.com/office/drawing/2014/main" id="{9146FA42-3A66-EAB0-7358-1E7281310ACB}"/>
+                  </a:ext>
+                </a:extLst>
+              </p:cNvPr>
+              <p:cNvSpPr txBox="1">
+                <a:spLocks noRot="1" noChangeAspect="1" noMove="1" noResize="1" noEditPoints="1" noAdjustHandles="1" noChangeArrowheads="1" noChangeShapeType="1" noTextEdit="1"/>
+              </p:cNvSpPr>
+              <p:nvPr/>
+            </p:nvSpPr>
+            <p:spPr>
+              <a:xfrm>
+                <a:off x="5004048" y="1772816"/>
+                <a:ext cx="3767442" cy="869405"/>
+              </a:xfrm>
+              <a:prstGeom prst="rect">
+                <a:avLst/>
+              </a:prstGeom>
+              <a:blipFill>
+                <a:blip r:embed="rId6"/>
+                <a:stretch>
+                  <a:fillRect l="-17508" t="-175362" r="-2020" b="-253623"/>
+                </a:stretch>
+              </a:blipFill>
+            </p:spPr>
+            <p:txBody>
+              <a:bodyPr/>
+              <a:lstStyle/>
+              <a:p>
+                <a:r>
+                  <a:rPr lang="ja-JP" altLang="en-US">
+                    <a:noFill/>
+                  </a:rPr>
+                  <a:t> </a:t>
+                </a:r>
+              </a:p>
+            </p:txBody>
+          </p:sp>
+        </mc:Fallback>
+      </mc:AlternateContent>
+      <mc:AlternateContent xmlns:mc="http://schemas.openxmlformats.org/markup-compatibility/2006">
+        <mc:Choice xmlns:a14="http://schemas.microsoft.com/office/drawing/2010/main" Requires="a14">
+          <p:sp>
+            <p:nvSpPr>
+              <p:cNvPr id="9" name="テキスト ボックス 8">
+                <a:extLst>
+                  <a:ext uri="{FF2B5EF4-FFF2-40B4-BE49-F238E27FC236}">
+                    <a16:creationId xmlns:a16="http://schemas.microsoft.com/office/drawing/2014/main" id="{D3EEC2C2-3131-D0D5-D5FD-485DD8157745}"/>
+                  </a:ext>
+                </a:extLst>
+              </p:cNvPr>
+              <p:cNvSpPr txBox="1"/>
+              <p:nvPr/>
+            </p:nvSpPr>
+            <p:spPr>
+              <a:xfrm>
+                <a:off x="1312178" y="3429000"/>
+                <a:ext cx="1660839" cy="1709699"/>
+              </a:xfrm>
+              <a:prstGeom prst="rect">
+                <a:avLst/>
+              </a:prstGeom>
+              <a:noFill/>
+            </p:spPr>
+            <p:txBody>
+              <a:bodyPr wrap="none" lIns="0" tIns="0" rIns="0" bIns="0" rtlCol="0">
+                <a:spAutoFit/>
+              </a:bodyPr>
+              <a:lstStyle/>
+              <a:p>
+                <a14:m>
+                  <m:oMathPara xmlns:m="http://schemas.openxmlformats.org/officeDocument/2006/math">
+                    <m:oMathParaPr>
+                      <m:jc m:val="centerGroup"/>
+                    </m:oMathParaPr>
+                    <m:oMath xmlns:m="http://schemas.openxmlformats.org/officeDocument/2006/math">
+                      <m:d>
+                        <m:dPr>
+                          <m:begChr m:val="{"/>
+                          <m:endChr m:val=""/>
+                          <m:ctrlPr>
+                            <a:rPr kumimoji="1" lang="en-US" altLang="ja-JP" sz="2400" i="1" smtClean="0">
+                              <a:latin typeface="Cambria Math" panose="02040503050406030204" pitchFamily="18" charset="0"/>
+                            </a:rPr>
+                          </m:ctrlPr>
+                        </m:dPr>
+                        <m:e>
+                          <m:m>
+                            <m:mPr>
+                              <m:mcs>
+                                <m:mc>
+                                  <m:mcPr>
+                                    <m:count m:val="1"/>
+                                    <m:mcJc m:val="center"/>
+                                  </m:mcPr>
+                                </m:mc>
+                              </m:mcs>
+                              <m:ctrlPr>
+                                <a:rPr lang="en-US" altLang="ja-JP" sz="2400" i="1">
+                                  <a:latin typeface="Cambria Math" panose="02040503050406030204" pitchFamily="18" charset="0"/>
+                                </a:rPr>
+                              </m:ctrlPr>
+                            </m:mPr>
+                            <m:mr>
+                              <m:e>
+                                <m:acc>
+                                  <m:accPr>
+                                    <m:chr m:val="̇"/>
+                                    <m:ctrlPr>
+                                      <a:rPr lang="en-US" altLang="ja-JP" sz="2400" i="1">
+                                        <a:latin typeface="Cambria Math" panose="02040503050406030204" pitchFamily="18" charset="0"/>
+                                      </a:rPr>
+                                    </m:ctrlPr>
+                                  </m:accPr>
+                                  <m:e>
+                                    <m:r>
+                                      <a:rPr lang="en-US" altLang="ja-JP" sz="2400" i="1">
+                                        <a:latin typeface="Cambria Math" panose="02040503050406030204" pitchFamily="18" charset="0"/>
+                                      </a:rPr>
+                                      <m:t>𝑞</m:t>
+                                    </m:r>
+                                  </m:e>
+                                </m:acc>
+                                <m:r>
+                                  <a:rPr lang="en-US" altLang="ja-JP" sz="2400" i="1">
+                                    <a:latin typeface="Cambria Math" panose="02040503050406030204" pitchFamily="18" charset="0"/>
+                                  </a:rPr>
+                                  <m:t>=</m:t>
+                                </m:r>
+                                <m:f>
+                                  <m:fPr>
+                                    <m:ctrlPr>
+                                      <a:rPr lang="en-US" altLang="ja-JP" sz="2400" i="1">
+                                        <a:latin typeface="Cambria Math" panose="02040503050406030204" pitchFamily="18" charset="0"/>
+                                      </a:rPr>
+                                    </m:ctrlPr>
+                                  </m:fPr>
+                                  <m:num>
+                                    <m:r>
+                                      <a:rPr lang="en-US" altLang="ja-JP" sz="2400" i="1">
+                                        <a:latin typeface="Cambria Math" panose="02040503050406030204" pitchFamily="18" charset="0"/>
+                                      </a:rPr>
+                                      <m:t>𝜕</m:t>
+                                    </m:r>
+                                    <m:r>
+                                      <a:rPr lang="en-US" altLang="ja-JP" sz="2400" i="1">
+                                        <a:latin typeface="Cambria Math" panose="02040503050406030204" pitchFamily="18" charset="0"/>
+                                      </a:rPr>
+                                      <m:t>𝐻</m:t>
+                                    </m:r>
+                                  </m:num>
+                                  <m:den>
+                                    <m:r>
+                                      <a:rPr lang="en-US" altLang="ja-JP" sz="2400" i="1">
+                                        <a:latin typeface="Cambria Math" panose="02040503050406030204" pitchFamily="18" charset="0"/>
+                                      </a:rPr>
+                                      <m:t>𝜕</m:t>
+                                    </m:r>
+                                    <m:r>
+                                      <a:rPr lang="en-US" altLang="ja-JP" sz="2400" i="1">
+                                        <a:latin typeface="Cambria Math" panose="02040503050406030204" pitchFamily="18" charset="0"/>
+                                      </a:rPr>
+                                      <m:t>𝑝</m:t>
+                                    </m:r>
+                                  </m:den>
+                                </m:f>
+                                <m:r>
+                                  <m:rPr>
+                                    <m:nor/>
+                                  </m:rPr>
+                                  <a:rPr lang="ja-JP" altLang="en-US" sz="2400" dirty="0"/>
+                                  <m:t> </m:t>
+                                </m:r>
+                              </m:e>
+                            </m:mr>
+                            <m:mr>
+                              <m:e>
+                                <m:acc>
+                                  <m:accPr>
+                                    <m:chr m:val="̇"/>
+                                    <m:ctrlPr>
+                                      <a:rPr lang="en-US" altLang="ja-JP" sz="2400" b="0" i="1" smtClean="0">
+                                        <a:latin typeface="Cambria Math" panose="02040503050406030204" pitchFamily="18" charset="0"/>
+                                      </a:rPr>
+                                    </m:ctrlPr>
+                                  </m:accPr>
+                                  <m:e>
+                                    <m:r>
+                                      <a:rPr lang="en-US" altLang="ja-JP" sz="2400" b="0" i="1" smtClean="0">
+                                        <a:latin typeface="Cambria Math" panose="02040503050406030204" pitchFamily="18" charset="0"/>
+                                      </a:rPr>
+                                      <m:t>𝑝</m:t>
+                                    </m:r>
+                                  </m:e>
+                                </m:acc>
+                                <m:r>
+                                  <a:rPr lang="en-US" altLang="ja-JP" sz="2400" i="1">
+                                    <a:latin typeface="Cambria Math" panose="02040503050406030204" pitchFamily="18" charset="0"/>
+                                  </a:rPr>
+                                  <m:t>=</m:t>
+                                </m:r>
+                                <m:r>
+                                  <a:rPr lang="en-US" altLang="ja-JP" sz="2400" b="0" i="1" smtClean="0">
+                                    <a:latin typeface="Cambria Math" panose="02040503050406030204" pitchFamily="18" charset="0"/>
+                                  </a:rPr>
+                                  <m:t>−</m:t>
+                                </m:r>
+                                <m:f>
+                                  <m:fPr>
+                                    <m:ctrlPr>
+                                      <a:rPr lang="en-US" altLang="ja-JP" sz="2400" i="1">
+                                        <a:latin typeface="Cambria Math" panose="02040503050406030204" pitchFamily="18" charset="0"/>
+                                      </a:rPr>
+                                    </m:ctrlPr>
+                                  </m:fPr>
+                                  <m:num>
+                                    <m:r>
+                                      <a:rPr lang="en-US" altLang="ja-JP" sz="2400" i="1">
+                                        <a:latin typeface="Cambria Math" panose="02040503050406030204" pitchFamily="18" charset="0"/>
+                                      </a:rPr>
+                                      <m:t>𝜕</m:t>
+                                    </m:r>
+                                    <m:r>
+                                      <a:rPr lang="en-US" altLang="ja-JP" sz="2400" i="1">
+                                        <a:latin typeface="Cambria Math" panose="02040503050406030204" pitchFamily="18" charset="0"/>
+                                      </a:rPr>
+                                      <m:t>𝐻</m:t>
+                                    </m:r>
+                                  </m:num>
+                                  <m:den>
+                                    <m:r>
+                                      <a:rPr lang="en-US" altLang="ja-JP" sz="2400" i="1">
+                                        <a:latin typeface="Cambria Math" panose="02040503050406030204" pitchFamily="18" charset="0"/>
+                                      </a:rPr>
+                                      <m:t>𝜕</m:t>
+                                    </m:r>
+                                    <m:r>
+                                      <a:rPr lang="en-US" altLang="ja-JP" sz="2400" b="0" i="1" smtClean="0">
+                                        <a:latin typeface="Cambria Math" panose="02040503050406030204" pitchFamily="18" charset="0"/>
+                                      </a:rPr>
+                                      <m:t>𝑞</m:t>
+                                    </m:r>
+                                  </m:den>
+                                </m:f>
+                                <m:r>
+                                  <m:rPr>
+                                    <m:nor/>
+                                  </m:rPr>
+                                  <a:rPr lang="ja-JP" altLang="en-US" sz="2400" dirty="0"/>
+                                  <m:t> </m:t>
+                                </m:r>
+                              </m:e>
+                            </m:mr>
+                          </m:m>
+                        </m:e>
+                      </m:d>
+                    </m:oMath>
+                  </m:oMathPara>
+                </a14:m>
+                <a:endParaRPr kumimoji="1" lang="ja-JP" altLang="en-US" sz="2400" dirty="0"/>
+              </a:p>
+            </p:txBody>
+          </p:sp>
+        </mc:Choice>
+        <mc:Fallback>
+          <p:sp>
+            <p:nvSpPr>
+              <p:cNvPr id="9" name="テキスト ボックス 8">
+                <a:extLst>
+                  <a:ext uri="{FF2B5EF4-FFF2-40B4-BE49-F238E27FC236}">
+                    <a16:creationId xmlns:a16="http://schemas.microsoft.com/office/drawing/2014/main" id="{D3EEC2C2-3131-D0D5-D5FD-485DD8157745}"/>
+                  </a:ext>
+                </a:extLst>
+              </p:cNvPr>
+              <p:cNvSpPr txBox="1">
+                <a:spLocks noRot="1" noChangeAspect="1" noMove="1" noResize="1" noEditPoints="1" noAdjustHandles="1" noChangeArrowheads="1" noChangeShapeType="1" noTextEdit="1"/>
+              </p:cNvSpPr>
+              <p:nvPr/>
+            </p:nvSpPr>
+            <p:spPr>
+              <a:xfrm>
+                <a:off x="1312178" y="3429000"/>
+                <a:ext cx="1660839" cy="1709699"/>
+              </a:xfrm>
+              <a:prstGeom prst="rect">
+                <a:avLst/>
+              </a:prstGeom>
+              <a:blipFill>
+                <a:blip r:embed="rId7"/>
+                <a:stretch>
+                  <a:fillRect r="-6061" b="-1481"/>
+                </a:stretch>
+              </a:blipFill>
+            </p:spPr>
+            <p:txBody>
+              <a:bodyPr/>
+              <a:lstStyle/>
+              <a:p>
+                <a:r>
+                  <a:rPr lang="ja-JP" altLang="en-US">
+                    <a:noFill/>
+                  </a:rPr>
+                  <a:t> </a:t>
+                </a:r>
+              </a:p>
+            </p:txBody>
+          </p:sp>
+        </mc:Fallback>
+      </mc:AlternateContent>
+      <mc:AlternateContent xmlns:mc="http://schemas.openxmlformats.org/markup-compatibility/2006">
+        <mc:Choice xmlns:a14="http://schemas.microsoft.com/office/drawing/2010/main" Requires="a14">
+          <p:sp>
+            <p:nvSpPr>
+              <p:cNvPr id="10" name="テキスト ボックス 9">
+                <a:extLst>
+                  <a:ext uri="{FF2B5EF4-FFF2-40B4-BE49-F238E27FC236}">
+                    <a16:creationId xmlns:a16="http://schemas.microsoft.com/office/drawing/2014/main" id="{ACF69401-4431-6B96-A6D8-ED252F21A689}"/>
+                  </a:ext>
+                </a:extLst>
+              </p:cNvPr>
+              <p:cNvSpPr txBox="1"/>
+              <p:nvPr/>
+            </p:nvSpPr>
+            <p:spPr>
+              <a:xfrm>
+                <a:off x="5826784" y="3503591"/>
+                <a:ext cx="1683794" cy="1664815"/>
+              </a:xfrm>
+              <a:prstGeom prst="rect">
+                <a:avLst/>
+              </a:prstGeom>
+              <a:noFill/>
+            </p:spPr>
+            <p:txBody>
+              <a:bodyPr wrap="none" lIns="0" tIns="0" rIns="0" bIns="0" rtlCol="0">
+                <a:spAutoFit/>
+              </a:bodyPr>
+              <a:lstStyle/>
+              <a:p>
+                <a14:m>
+                  <m:oMathPara xmlns:m="http://schemas.openxmlformats.org/officeDocument/2006/math">
+                    <m:oMathParaPr>
+                      <m:jc m:val="centerGroup"/>
+                    </m:oMathParaPr>
+                    <m:oMath xmlns:m="http://schemas.openxmlformats.org/officeDocument/2006/math">
+                      <m:d>
+                        <m:dPr>
+                          <m:begChr m:val="{"/>
+                          <m:endChr m:val=""/>
+                          <m:ctrlPr>
+                            <a:rPr kumimoji="1" lang="en-US" altLang="ja-JP" sz="2400" i="1" smtClean="0">
+                              <a:latin typeface="Cambria Math" panose="02040503050406030204" pitchFamily="18" charset="0"/>
+                            </a:rPr>
+                          </m:ctrlPr>
+                        </m:dPr>
+                        <m:e>
+                          <m:m>
+                            <m:mPr>
+                              <m:mcs>
+                                <m:mc>
+                                  <m:mcPr>
+                                    <m:count m:val="1"/>
+                                    <m:mcJc m:val="center"/>
+                                  </m:mcPr>
+                                </m:mc>
+                              </m:mcs>
+                              <m:ctrlPr>
+                                <a:rPr lang="en-US" altLang="ja-JP" sz="2400" i="1">
+                                  <a:latin typeface="Cambria Math" panose="02040503050406030204" pitchFamily="18" charset="0"/>
+                                </a:rPr>
+                              </m:ctrlPr>
+                            </m:mPr>
+                            <m:mr>
+                              <m:e>
+                                <m:acc>
+                                  <m:accPr>
+                                    <m:chr m:val="̇"/>
+                                    <m:ctrlPr>
+                                      <a:rPr lang="en-US" altLang="ja-JP" sz="2400" i="1">
+                                        <a:latin typeface="Cambria Math" panose="02040503050406030204" pitchFamily="18" charset="0"/>
+                                      </a:rPr>
+                                    </m:ctrlPr>
+                                  </m:accPr>
+                                  <m:e>
+                                    <m:r>
+                                      <a:rPr lang="en-US" altLang="ja-JP" sz="2400" b="0" i="1" smtClean="0">
+                                        <a:latin typeface="Cambria Math" panose="02040503050406030204" pitchFamily="18" charset="0"/>
+                                      </a:rPr>
+                                      <m:t>𝑄</m:t>
+                                    </m:r>
+                                  </m:e>
+                                </m:acc>
+                                <m:r>
+                                  <a:rPr lang="en-US" altLang="ja-JP" sz="2400" i="1">
+                                    <a:latin typeface="Cambria Math" panose="02040503050406030204" pitchFamily="18" charset="0"/>
+                                  </a:rPr>
+                                  <m:t>=</m:t>
+                                </m:r>
+                                <m:f>
+                                  <m:fPr>
+                                    <m:ctrlPr>
+                                      <a:rPr lang="en-US" altLang="ja-JP" sz="2400" i="1">
+                                        <a:latin typeface="Cambria Math" panose="02040503050406030204" pitchFamily="18" charset="0"/>
+                                      </a:rPr>
+                                    </m:ctrlPr>
+                                  </m:fPr>
+                                  <m:num>
+                                    <m:r>
+                                      <a:rPr lang="en-US" altLang="ja-JP" sz="2400" i="1">
+                                        <a:latin typeface="Cambria Math" panose="02040503050406030204" pitchFamily="18" charset="0"/>
+                                      </a:rPr>
+                                      <m:t>𝜕</m:t>
+                                    </m:r>
+                                    <m:r>
+                                      <a:rPr lang="en-US" altLang="ja-JP" sz="2400" i="1">
+                                        <a:latin typeface="Cambria Math" panose="02040503050406030204" pitchFamily="18" charset="0"/>
+                                      </a:rPr>
+                                      <m:t>𝐻</m:t>
+                                    </m:r>
+                                  </m:num>
+                                  <m:den>
+                                    <m:r>
+                                      <a:rPr lang="en-US" altLang="ja-JP" sz="2400" i="1">
+                                        <a:latin typeface="Cambria Math" panose="02040503050406030204" pitchFamily="18" charset="0"/>
+                                      </a:rPr>
+                                      <m:t>𝜕</m:t>
+                                    </m:r>
+                                    <m:r>
+                                      <a:rPr lang="en-US" altLang="ja-JP" sz="2400" b="0" i="1" smtClean="0">
+                                        <a:latin typeface="Cambria Math" panose="02040503050406030204" pitchFamily="18" charset="0"/>
+                                      </a:rPr>
+                                      <m:t>𝑃</m:t>
+                                    </m:r>
+                                  </m:den>
+                                </m:f>
+                                <m:r>
+                                  <m:rPr>
+                                    <m:nor/>
+                                  </m:rPr>
+                                  <a:rPr lang="ja-JP" altLang="en-US" sz="2400" dirty="0"/>
+                                  <m:t> </m:t>
+                                </m:r>
+                              </m:e>
+                            </m:mr>
+                            <m:mr>
+                              <m:e>
+                                <m:acc>
+                                  <m:accPr>
+                                    <m:chr m:val="̇"/>
+                                    <m:ctrlPr>
+                                      <a:rPr lang="en-US" altLang="ja-JP" sz="2400" b="0" i="1" smtClean="0">
+                                        <a:latin typeface="Cambria Math" panose="02040503050406030204" pitchFamily="18" charset="0"/>
+                                      </a:rPr>
+                                    </m:ctrlPr>
+                                  </m:accPr>
+                                  <m:e>
+                                    <m:r>
+                                      <a:rPr lang="en-US" altLang="ja-JP" sz="2400" b="0" i="1" smtClean="0">
+                                        <a:latin typeface="Cambria Math" panose="02040503050406030204" pitchFamily="18" charset="0"/>
+                                      </a:rPr>
+                                      <m:t>𝑃</m:t>
+                                    </m:r>
+                                  </m:e>
+                                </m:acc>
+                                <m:r>
+                                  <a:rPr lang="en-US" altLang="ja-JP" sz="2400" i="1">
+                                    <a:latin typeface="Cambria Math" panose="02040503050406030204" pitchFamily="18" charset="0"/>
+                                  </a:rPr>
+                                  <m:t>=</m:t>
+                                </m:r>
+                                <m:r>
+                                  <a:rPr lang="en-US" altLang="ja-JP" sz="2400" b="0" i="1" smtClean="0">
+                                    <a:latin typeface="Cambria Math" panose="02040503050406030204" pitchFamily="18" charset="0"/>
+                                  </a:rPr>
+                                  <m:t>−</m:t>
+                                </m:r>
+                                <m:f>
+                                  <m:fPr>
+                                    <m:ctrlPr>
+                                      <a:rPr lang="en-US" altLang="ja-JP" sz="2400" i="1">
+                                        <a:latin typeface="Cambria Math" panose="02040503050406030204" pitchFamily="18" charset="0"/>
+                                      </a:rPr>
+                                    </m:ctrlPr>
+                                  </m:fPr>
+                                  <m:num>
+                                    <m:r>
+                                      <a:rPr lang="en-US" altLang="ja-JP" sz="2400" i="1">
+                                        <a:latin typeface="Cambria Math" panose="02040503050406030204" pitchFamily="18" charset="0"/>
+                                      </a:rPr>
+                                      <m:t>𝜕</m:t>
+                                    </m:r>
+                                    <m:r>
+                                      <a:rPr lang="en-US" altLang="ja-JP" sz="2400" i="1">
+                                        <a:latin typeface="Cambria Math" panose="02040503050406030204" pitchFamily="18" charset="0"/>
+                                      </a:rPr>
+                                      <m:t>𝐻</m:t>
+                                    </m:r>
+                                  </m:num>
+                                  <m:den>
+                                    <m:r>
+                                      <a:rPr lang="en-US" altLang="ja-JP" sz="2400" i="1">
+                                        <a:latin typeface="Cambria Math" panose="02040503050406030204" pitchFamily="18" charset="0"/>
+                                      </a:rPr>
+                                      <m:t>𝜕</m:t>
+                                    </m:r>
+                                    <m:r>
+                                      <a:rPr lang="en-US" altLang="ja-JP" sz="2400" b="0" i="1" smtClean="0">
+                                        <a:latin typeface="Cambria Math" panose="02040503050406030204" pitchFamily="18" charset="0"/>
+                                      </a:rPr>
+                                      <m:t>𝑄</m:t>
+                                    </m:r>
+                                  </m:den>
+                                </m:f>
+                                <m:r>
+                                  <m:rPr>
+                                    <m:nor/>
+                                  </m:rPr>
+                                  <a:rPr lang="ja-JP" altLang="en-US" sz="2400" dirty="0"/>
+                                  <m:t> </m:t>
+                                </m:r>
+                              </m:e>
+                            </m:mr>
+                          </m:m>
+                        </m:e>
+                      </m:d>
+                    </m:oMath>
+                  </m:oMathPara>
+                </a14:m>
+                <a:endParaRPr kumimoji="1" lang="ja-JP" altLang="en-US" sz="2400" dirty="0"/>
+              </a:p>
+            </p:txBody>
+          </p:sp>
+        </mc:Choice>
+        <mc:Fallback>
+          <p:sp>
+            <p:nvSpPr>
+              <p:cNvPr id="10" name="テキスト ボックス 9">
+                <a:extLst>
+                  <a:ext uri="{FF2B5EF4-FFF2-40B4-BE49-F238E27FC236}">
+                    <a16:creationId xmlns:a16="http://schemas.microsoft.com/office/drawing/2014/main" id="{ACF69401-4431-6B96-A6D8-ED252F21A689}"/>
+                  </a:ext>
+                </a:extLst>
+              </p:cNvPr>
+              <p:cNvSpPr txBox="1">
+                <a:spLocks noRot="1" noChangeAspect="1" noMove="1" noResize="1" noEditPoints="1" noAdjustHandles="1" noChangeArrowheads="1" noChangeShapeType="1" noTextEdit="1"/>
+              </p:cNvSpPr>
+              <p:nvPr/>
+            </p:nvSpPr>
+            <p:spPr>
+              <a:xfrm>
+                <a:off x="5826784" y="3503591"/>
+                <a:ext cx="1683794" cy="1664815"/>
+              </a:xfrm>
+              <a:prstGeom prst="rect">
+                <a:avLst/>
+              </a:prstGeom>
+              <a:blipFill>
+                <a:blip r:embed="rId8"/>
+                <a:stretch>
+                  <a:fillRect r="-6716" b="-3030"/>
+                </a:stretch>
+              </a:blipFill>
+            </p:spPr>
+            <p:txBody>
+              <a:bodyPr/>
+              <a:lstStyle/>
+              <a:p>
+                <a:r>
+                  <a:rPr lang="ja-JP" altLang="en-US">
+                    <a:noFill/>
+                  </a:rPr>
+                  <a:t> </a:t>
+                </a:r>
+              </a:p>
+            </p:txBody>
+          </p:sp>
+        </mc:Fallback>
+      </mc:AlternateContent>
+      <p:cxnSp>
+        <p:nvCxnSpPr>
+          <p:cNvPr id="16" name="カギ線コネクタ 15">
+            <a:extLst>
+              <a:ext uri="{FF2B5EF4-FFF2-40B4-BE49-F238E27FC236}">
+                <a16:creationId xmlns:a16="http://schemas.microsoft.com/office/drawing/2014/main" id="{14F11D31-7783-8447-18E7-CCB6A273AD04}"/>
+              </a:ext>
+            </a:extLst>
+          </p:cNvPr>
+          <p:cNvCxnSpPr>
+            <a:stCxn id="5" idx="1"/>
+            <a:endCxn id="9" idx="1"/>
+          </p:cNvCxnSpPr>
+          <p:nvPr/>
+        </p:nvCxnSpPr>
+        <p:spPr>
+          <a:xfrm rot="10800000" flipH="1" flipV="1">
+            <a:off x="549288" y="2278166"/>
+            <a:ext cx="762889" cy="2005683"/>
+          </a:xfrm>
+          <a:prstGeom prst="bentConnector3">
+            <a:avLst>
+              <a:gd name="adj1" fmla="val -29965"/>
+            </a:avLst>
+          </a:prstGeom>
+          <a:ln w="9525">
+            <a:solidFill>
+              <a:schemeClr val="tx1"/>
+            </a:solidFill>
+            <a:headEnd type="none"/>
+            <a:tailEnd type="triangle"/>
+          </a:ln>
+          <a:effectLst/>
+        </p:spPr>
+        <p:style>
+          <a:lnRef idx="2">
+            <a:schemeClr val="accent1"/>
+          </a:lnRef>
+          <a:fillRef idx="0">
+            <a:schemeClr val="accent1"/>
+          </a:fillRef>
+          <a:effectRef idx="1">
+            <a:schemeClr val="accent1"/>
+          </a:effectRef>
+          <a:fontRef idx="minor">
+            <a:schemeClr val="tx1"/>
+          </a:fontRef>
+        </p:style>
+      </p:cxnSp>
+      <p:cxnSp>
+        <p:nvCxnSpPr>
+          <p:cNvPr id="17" name="カギ線コネクタ 16">
+            <a:extLst>
+              <a:ext uri="{FF2B5EF4-FFF2-40B4-BE49-F238E27FC236}">
+                <a16:creationId xmlns:a16="http://schemas.microsoft.com/office/drawing/2014/main" id="{8B912EA3-1B23-E5DD-F5A3-817BF0D3EA6C}"/>
+              </a:ext>
+            </a:extLst>
+          </p:cNvPr>
+          <p:cNvCxnSpPr>
+            <a:cxnSpLocks/>
+            <a:stCxn id="6" idx="3"/>
+            <a:endCxn id="10" idx="3"/>
+          </p:cNvCxnSpPr>
+          <p:nvPr/>
+        </p:nvCxnSpPr>
+        <p:spPr>
+          <a:xfrm flipH="1">
+            <a:off x="7510578" y="2207519"/>
+            <a:ext cx="1260912" cy="2128480"/>
+          </a:xfrm>
+          <a:prstGeom prst="bentConnector3">
+            <a:avLst>
+              <a:gd name="adj1" fmla="val -18130"/>
+            </a:avLst>
+          </a:prstGeom>
+          <a:ln w="9525">
+            <a:solidFill>
+              <a:schemeClr val="tx1"/>
+            </a:solidFill>
+            <a:headEnd type="none"/>
+            <a:tailEnd type="triangle"/>
+          </a:ln>
+          <a:effectLst/>
+        </p:spPr>
+        <p:style>
+          <a:lnRef idx="2">
+            <a:schemeClr val="accent1"/>
+          </a:lnRef>
+          <a:fillRef idx="0">
+            <a:schemeClr val="accent1"/>
+          </a:fillRef>
+          <a:effectRef idx="1">
+            <a:schemeClr val="accent1"/>
+          </a:effectRef>
+          <a:fontRef idx="minor">
+            <a:schemeClr val="tx1"/>
+          </a:fontRef>
+        </p:style>
+      </p:cxnSp>
+      <mc:AlternateContent xmlns:mc="http://schemas.openxmlformats.org/markup-compatibility/2006">
+        <mc:Choice xmlns:a14="http://schemas.microsoft.com/office/drawing/2010/main" Requires="a14">
+          <p:sp>
+            <p:nvSpPr>
+              <p:cNvPr id="30" name="テキスト ボックス 29">
+                <a:extLst>
+                  <a:ext uri="{FF2B5EF4-FFF2-40B4-BE49-F238E27FC236}">
+                    <a16:creationId xmlns:a16="http://schemas.microsoft.com/office/drawing/2014/main" id="{2A1300EB-8011-EDDB-6A46-FEAA5DCA6434}"/>
+                  </a:ext>
+                </a:extLst>
+              </p:cNvPr>
+              <p:cNvSpPr txBox="1"/>
+              <p:nvPr/>
+            </p:nvSpPr>
+            <p:spPr>
+              <a:xfrm>
+                <a:off x="3860749" y="3059668"/>
+                <a:ext cx="1294072" cy="1054776"/>
+              </a:xfrm>
+              <a:prstGeom prst="rect">
+                <a:avLst/>
+              </a:prstGeom>
+              <a:noFill/>
+            </p:spPr>
+            <p:txBody>
+              <a:bodyPr wrap="none" lIns="0" tIns="0" rIns="0" bIns="0" rtlCol="0">
+                <a:spAutoFit/>
+              </a:bodyPr>
+              <a:lstStyle/>
+              <a:p>
+                <a14:m>
+                  <m:oMathPara xmlns:m="http://schemas.openxmlformats.org/officeDocument/2006/math">
+                    <m:oMathParaPr>
+                      <m:jc m:val="centerGroup"/>
+                    </m:oMathParaPr>
+                    <m:oMath xmlns:m="http://schemas.openxmlformats.org/officeDocument/2006/math">
+                      <m:d>
+                        <m:dPr>
+                          <m:begChr m:val="|"/>
+                          <m:endChr m:val="|"/>
+                          <m:ctrlPr>
+                            <a:rPr lang="en-US" altLang="ja-JP" sz="1600" i="1" smtClean="0">
+                              <a:latin typeface="Cambria Math" panose="02040503050406030204" pitchFamily="18" charset="0"/>
+                            </a:rPr>
+                          </m:ctrlPr>
+                        </m:dPr>
+                        <m:e>
+                          <m:m>
+                            <m:mPr>
+                              <m:mcs>
+                                <m:mc>
+                                  <m:mcPr>
+                                    <m:count m:val="2"/>
+                                    <m:mcJc m:val="center"/>
+                                  </m:mcPr>
+                                </m:mc>
+                              </m:mcs>
+                              <m:ctrlPr>
+                                <a:rPr lang="en-US" altLang="ja-JP" sz="1600" i="1" smtClean="0">
+                                  <a:latin typeface="Cambria Math" panose="02040503050406030204" pitchFamily="18" charset="0"/>
+                                </a:rPr>
+                              </m:ctrlPr>
+                            </m:mPr>
+                            <m:mr>
+                              <m:e>
+                                <m:f>
+                                  <m:fPr>
+                                    <m:ctrlPr>
+                                      <a:rPr lang="en-US" altLang="ja-JP" sz="1600" b="0" i="1" smtClean="0">
+                                        <a:latin typeface="Cambria Math" panose="02040503050406030204" pitchFamily="18" charset="0"/>
+                                      </a:rPr>
+                                    </m:ctrlPr>
+                                  </m:fPr>
+                                  <m:num>
+                                    <m:r>
+                                      <a:rPr lang="en-US" altLang="ja-JP" sz="1600" b="0" i="1" smtClean="0">
+                                        <a:latin typeface="Cambria Math" panose="02040503050406030204" pitchFamily="18" charset="0"/>
+                                      </a:rPr>
+                                      <m:t>𝜕</m:t>
+                                    </m:r>
+                                    <m:r>
+                                      <a:rPr lang="en-US" altLang="ja-JP" sz="1600" b="0" i="1" smtClean="0">
+                                        <a:latin typeface="Cambria Math" panose="02040503050406030204" pitchFamily="18" charset="0"/>
+                                      </a:rPr>
+                                      <m:t>𝑄</m:t>
+                                    </m:r>
+                                  </m:num>
+                                  <m:den>
+                                    <m:r>
+                                      <a:rPr lang="en-US" altLang="ja-JP" sz="1600" b="0" i="1" smtClean="0">
+                                        <a:latin typeface="Cambria Math" panose="02040503050406030204" pitchFamily="18" charset="0"/>
+                                      </a:rPr>
+                                      <m:t>𝜕</m:t>
+                                    </m:r>
+                                    <m:r>
+                                      <a:rPr lang="en-US" altLang="ja-JP" sz="1600" b="0" i="1" smtClean="0">
+                                        <a:latin typeface="Cambria Math" panose="02040503050406030204" pitchFamily="18" charset="0"/>
+                                      </a:rPr>
+                                      <m:t>𝑞</m:t>
+                                    </m:r>
+                                  </m:den>
+                                </m:f>
+                              </m:e>
+                              <m:e>
+                                <m:f>
+                                  <m:fPr>
+                                    <m:ctrlPr>
+                                      <a:rPr lang="en-US" altLang="ja-JP" sz="1600" i="1">
+                                        <a:latin typeface="Cambria Math" panose="02040503050406030204" pitchFamily="18" charset="0"/>
+                                      </a:rPr>
+                                    </m:ctrlPr>
+                                  </m:fPr>
+                                  <m:num>
+                                    <m:r>
+                                      <a:rPr lang="en-US" altLang="ja-JP" sz="1600" i="1">
+                                        <a:latin typeface="Cambria Math" panose="02040503050406030204" pitchFamily="18" charset="0"/>
+                                      </a:rPr>
+                                      <m:t>𝜕</m:t>
+                                    </m:r>
+                                    <m:r>
+                                      <a:rPr lang="en-US" altLang="ja-JP" sz="1600" i="1">
+                                        <a:latin typeface="Cambria Math" panose="02040503050406030204" pitchFamily="18" charset="0"/>
+                                      </a:rPr>
+                                      <m:t>𝑄</m:t>
+                                    </m:r>
+                                  </m:num>
+                                  <m:den>
+                                    <m:r>
+                                      <a:rPr lang="en-US" altLang="ja-JP" sz="1600" i="1">
+                                        <a:latin typeface="Cambria Math" panose="02040503050406030204" pitchFamily="18" charset="0"/>
+                                      </a:rPr>
+                                      <m:t>𝜕</m:t>
+                                    </m:r>
+                                    <m:r>
+                                      <a:rPr lang="en-US" altLang="ja-JP" sz="1600" b="0" i="1" smtClean="0">
+                                        <a:latin typeface="Cambria Math" panose="02040503050406030204" pitchFamily="18" charset="0"/>
+                                      </a:rPr>
+                                      <m:t>𝑝</m:t>
+                                    </m:r>
+                                  </m:den>
+                                </m:f>
+                              </m:e>
+                            </m:mr>
+                            <m:mr>
+                              <m:e>
+                                <m:f>
+                                  <m:fPr>
+                                    <m:ctrlPr>
+                                      <a:rPr lang="en-US" altLang="ja-JP" sz="1600" i="1">
+                                        <a:latin typeface="Cambria Math" panose="02040503050406030204" pitchFamily="18" charset="0"/>
+                                      </a:rPr>
+                                    </m:ctrlPr>
+                                  </m:fPr>
+                                  <m:num>
+                                    <m:r>
+                                      <a:rPr lang="en-US" altLang="ja-JP" sz="1600" i="1">
+                                        <a:latin typeface="Cambria Math" panose="02040503050406030204" pitchFamily="18" charset="0"/>
+                                      </a:rPr>
+                                      <m:t>𝜕</m:t>
+                                    </m:r>
+                                    <m:r>
+                                      <a:rPr lang="en-US" altLang="ja-JP" sz="1600" b="0" i="1" smtClean="0">
+                                        <a:latin typeface="Cambria Math" panose="02040503050406030204" pitchFamily="18" charset="0"/>
+                                      </a:rPr>
+                                      <m:t>𝑃</m:t>
+                                    </m:r>
+                                  </m:num>
+                                  <m:den>
+                                    <m:r>
+                                      <a:rPr lang="en-US" altLang="ja-JP" sz="1600" i="1">
+                                        <a:latin typeface="Cambria Math" panose="02040503050406030204" pitchFamily="18" charset="0"/>
+                                      </a:rPr>
+                                      <m:t>𝜕</m:t>
+                                    </m:r>
+                                    <m:r>
+                                      <a:rPr lang="en-US" altLang="ja-JP" sz="1600" i="1">
+                                        <a:latin typeface="Cambria Math" panose="02040503050406030204" pitchFamily="18" charset="0"/>
+                                      </a:rPr>
+                                      <m:t>𝑞</m:t>
+                                    </m:r>
+                                  </m:den>
+                                </m:f>
+                              </m:e>
+                              <m:e>
+                                <m:f>
+                                  <m:fPr>
+                                    <m:ctrlPr>
+                                      <a:rPr lang="en-US" altLang="ja-JP" sz="1600" i="1">
+                                        <a:latin typeface="Cambria Math" panose="02040503050406030204" pitchFamily="18" charset="0"/>
+                                      </a:rPr>
+                                    </m:ctrlPr>
+                                  </m:fPr>
+                                  <m:num>
+                                    <m:r>
+                                      <a:rPr lang="en-US" altLang="ja-JP" sz="1600" i="1">
+                                        <a:latin typeface="Cambria Math" panose="02040503050406030204" pitchFamily="18" charset="0"/>
+                                      </a:rPr>
+                                      <m:t>𝜕</m:t>
+                                    </m:r>
+                                    <m:r>
+                                      <a:rPr lang="en-US" altLang="ja-JP" sz="1600" b="0" i="1" smtClean="0">
+                                        <a:latin typeface="Cambria Math" panose="02040503050406030204" pitchFamily="18" charset="0"/>
+                                      </a:rPr>
+                                      <m:t>𝑃</m:t>
+                                    </m:r>
+                                  </m:num>
+                                  <m:den>
+                                    <m:r>
+                                      <a:rPr lang="en-US" altLang="ja-JP" sz="1600" i="1">
+                                        <a:latin typeface="Cambria Math" panose="02040503050406030204" pitchFamily="18" charset="0"/>
+                                      </a:rPr>
+                                      <m:t>𝜕</m:t>
+                                    </m:r>
+                                    <m:r>
+                                      <a:rPr lang="en-US" altLang="ja-JP" sz="1600" b="0" i="1" smtClean="0">
+                                        <a:latin typeface="Cambria Math" panose="02040503050406030204" pitchFamily="18" charset="0"/>
+                                      </a:rPr>
+                                      <m:t>𝑝</m:t>
+                                    </m:r>
+                                  </m:den>
+                                </m:f>
+                              </m:e>
+                            </m:mr>
+                          </m:m>
+                        </m:e>
+                      </m:d>
+                      <m:r>
+                        <a:rPr lang="en-US" altLang="ja-JP" sz="1600" b="0" i="1" smtClean="0">
+                          <a:latin typeface="Cambria Math" panose="02040503050406030204" pitchFamily="18" charset="0"/>
+                        </a:rPr>
+                        <m:t>=1</m:t>
+                      </m:r>
+                    </m:oMath>
+                  </m:oMathPara>
+                </a14:m>
+                <a:endParaRPr kumimoji="1" lang="ja-JP" altLang="en-US" sz="1600" dirty="0"/>
+              </a:p>
+            </p:txBody>
+          </p:sp>
+        </mc:Choice>
+        <mc:Fallback>
+          <p:sp>
+            <p:nvSpPr>
+              <p:cNvPr id="30" name="テキスト ボックス 29">
+                <a:extLst>
+                  <a:ext uri="{FF2B5EF4-FFF2-40B4-BE49-F238E27FC236}">
+                    <a16:creationId xmlns:a16="http://schemas.microsoft.com/office/drawing/2014/main" id="{2A1300EB-8011-EDDB-6A46-FEAA5DCA6434}"/>
+                  </a:ext>
+                </a:extLst>
+              </p:cNvPr>
+              <p:cNvSpPr txBox="1">
+                <a:spLocks noRot="1" noChangeAspect="1" noMove="1" noResize="1" noEditPoints="1" noAdjustHandles="1" noChangeArrowheads="1" noChangeShapeType="1" noTextEdit="1"/>
+              </p:cNvSpPr>
+              <p:nvPr/>
+            </p:nvSpPr>
+            <p:spPr>
+              <a:xfrm>
+                <a:off x="3860749" y="3059668"/>
+                <a:ext cx="1294072" cy="1054776"/>
+              </a:xfrm>
+              <a:prstGeom prst="rect">
+                <a:avLst/>
+              </a:prstGeom>
+              <a:blipFill>
+                <a:blip r:embed="rId9"/>
+                <a:stretch>
+                  <a:fillRect r="-2885" b="-8333"/>
+                </a:stretch>
+              </a:blipFill>
+            </p:spPr>
+            <p:txBody>
+              <a:bodyPr/>
+              <a:lstStyle/>
+              <a:p>
+                <a:r>
+                  <a:rPr lang="ja-JP" altLang="en-US">
+                    <a:noFill/>
+                  </a:rPr>
+                  <a:t> </a:t>
+                </a:r>
+              </a:p>
+            </p:txBody>
+          </p:sp>
+        </mc:Fallback>
+      </mc:AlternateContent>
+      <p:sp>
+        <p:nvSpPr>
+          <p:cNvPr id="31" name="左右矢印 30">
+            <a:extLst>
+              <a:ext uri="{FF2B5EF4-FFF2-40B4-BE49-F238E27FC236}">
+                <a16:creationId xmlns:a16="http://schemas.microsoft.com/office/drawing/2014/main" id="{9E3A140C-9ADE-E3C6-6735-90E3874E69AA}"/>
+              </a:ext>
+            </a:extLst>
+          </p:cNvPr>
+          <p:cNvSpPr/>
+          <p:nvPr/>
+        </p:nvSpPr>
+        <p:spPr>
+          <a:xfrm>
+            <a:off x="3574120" y="4302373"/>
+            <a:ext cx="1728192" cy="360040"/>
+          </a:xfrm>
+          <a:prstGeom prst="leftRightArrow">
+            <a:avLst/>
+          </a:prstGeom>
+          <a:solidFill>
+            <a:srgbClr val="FF0000"/>
+          </a:solidFill>
+          <a:ln>
+            <a:solidFill>
+              <a:schemeClr val="tx1"/>
+            </a:solidFill>
+          </a:ln>
+        </p:spPr>
+        <p:txBody>
+          <a:bodyPr wrap="square" rtlCol="0" anchor="ctr">
+            <a:spAutoFit/>
+          </a:bodyPr>
+          <a:lstStyle/>
+          <a:p>
+            <a:pPr algn="ctr"/>
+            <a:endParaRPr kumimoji="1" lang="ja-JP" altLang="en-US" sz="2400" dirty="0"/>
+          </a:p>
+        </p:txBody>
+      </p:sp>
+      <mc:AlternateContent xmlns:mc="http://schemas.openxmlformats.org/markup-compatibility/2006">
+        <mc:Choice xmlns:a14="http://schemas.microsoft.com/office/drawing/2010/main" Requires="a14">
+          <p:sp>
+            <p:nvSpPr>
+              <p:cNvPr id="32" name="テキスト ボックス 31">
+                <a:extLst>
+                  <a:ext uri="{FF2B5EF4-FFF2-40B4-BE49-F238E27FC236}">
+                    <a16:creationId xmlns:a16="http://schemas.microsoft.com/office/drawing/2014/main" id="{4B45272E-A753-86A7-ECA0-82FA21AA47D7}"/>
+                  </a:ext>
+                </a:extLst>
+              </p:cNvPr>
+              <p:cNvSpPr txBox="1"/>
+              <p:nvPr/>
+            </p:nvSpPr>
+            <p:spPr>
+              <a:xfrm>
+                <a:off x="119335" y="3059668"/>
+                <a:ext cx="930896" cy="369332"/>
+              </a:xfrm>
+              <a:prstGeom prst="rect">
+                <a:avLst/>
+              </a:prstGeom>
+              <a:solidFill>
+                <a:schemeClr val="bg1"/>
+              </a:solidFill>
+              <a:ln>
+                <a:solidFill>
+                  <a:schemeClr val="tx1"/>
+                </a:solidFill>
+              </a:ln>
+            </p:spPr>
+            <p:txBody>
+              <a:bodyPr wrap="none" lIns="0" tIns="0" rIns="0" bIns="0" rtlCol="0">
+                <a:spAutoFit/>
+              </a:bodyPr>
+              <a:lstStyle/>
+              <a:p>
+                <a14:m>
+                  <m:oMathPara xmlns:m="http://schemas.openxmlformats.org/officeDocument/2006/math">
+                    <m:oMathParaPr>
+                      <m:jc m:val="centerGroup"/>
+                    </m:oMathParaPr>
+                    <m:oMath xmlns:m="http://schemas.openxmlformats.org/officeDocument/2006/math">
+                      <m:r>
+                        <a:rPr kumimoji="1" lang="en-US" altLang="ja-JP" sz="2400" b="0" i="1" smtClean="0">
+                          <a:latin typeface="Cambria Math" panose="02040503050406030204" pitchFamily="18" charset="0"/>
+                        </a:rPr>
+                        <m:t>𝛿</m:t>
+                      </m:r>
+                      <m:r>
+                        <a:rPr kumimoji="1" lang="en-US" altLang="ja-JP" sz="2400" b="0" i="1" smtClean="0">
+                          <a:latin typeface="Cambria Math" panose="02040503050406030204" pitchFamily="18" charset="0"/>
+                        </a:rPr>
+                        <m:t>𝐼</m:t>
+                      </m:r>
+                      <m:r>
+                        <a:rPr kumimoji="1" lang="en-US" altLang="ja-JP" sz="2400" b="0" i="1" smtClean="0">
+                          <a:latin typeface="Cambria Math" panose="02040503050406030204" pitchFamily="18" charset="0"/>
+                        </a:rPr>
+                        <m:t>=0</m:t>
+                      </m:r>
+                    </m:oMath>
+                  </m:oMathPara>
+                </a14:m>
+                <a:endParaRPr kumimoji="1" lang="ja-JP" altLang="en-US" sz="2400" dirty="0"/>
+              </a:p>
+            </p:txBody>
+          </p:sp>
+        </mc:Choice>
+        <mc:Fallback>
+          <p:sp>
+            <p:nvSpPr>
+              <p:cNvPr id="32" name="テキスト ボックス 31">
+                <a:extLst>
+                  <a:ext uri="{FF2B5EF4-FFF2-40B4-BE49-F238E27FC236}">
+                    <a16:creationId xmlns:a16="http://schemas.microsoft.com/office/drawing/2014/main" id="{4B45272E-A753-86A7-ECA0-82FA21AA47D7}"/>
+                  </a:ext>
+                </a:extLst>
+              </p:cNvPr>
+              <p:cNvSpPr txBox="1">
+                <a:spLocks noRot="1" noChangeAspect="1" noMove="1" noResize="1" noEditPoints="1" noAdjustHandles="1" noChangeArrowheads="1" noChangeShapeType="1" noTextEdit="1"/>
+              </p:cNvSpPr>
+              <p:nvPr/>
+            </p:nvSpPr>
+            <p:spPr>
+              <a:xfrm>
+                <a:off x="119335" y="3059668"/>
+                <a:ext cx="930896" cy="369332"/>
+              </a:xfrm>
+              <a:prstGeom prst="rect">
+                <a:avLst/>
+              </a:prstGeom>
+              <a:blipFill>
+                <a:blip r:embed="rId10"/>
+                <a:stretch>
+                  <a:fillRect l="-8000" r="-5333" b="-6452"/>
+                </a:stretch>
+              </a:blipFill>
+              <a:ln>
+                <a:solidFill>
+                  <a:schemeClr val="tx1"/>
+                </a:solidFill>
+              </a:ln>
+            </p:spPr>
+            <p:txBody>
+              <a:bodyPr/>
+              <a:lstStyle/>
+              <a:p>
+                <a:r>
+                  <a:rPr lang="ja-JP" altLang="en-US">
+                    <a:noFill/>
+                  </a:rPr>
+                  <a:t> </a:t>
+                </a:r>
+              </a:p>
+            </p:txBody>
+          </p:sp>
+        </mc:Fallback>
+      </mc:AlternateContent>
+      <mc:AlternateContent xmlns:mc="http://schemas.openxmlformats.org/markup-compatibility/2006">
+        <mc:Choice xmlns:a14="http://schemas.microsoft.com/office/drawing/2010/main" Requires="a14">
+          <p:sp>
+            <p:nvSpPr>
+              <p:cNvPr id="33" name="テキスト ボックス 32">
+                <a:extLst>
+                  <a:ext uri="{FF2B5EF4-FFF2-40B4-BE49-F238E27FC236}">
+                    <a16:creationId xmlns:a16="http://schemas.microsoft.com/office/drawing/2014/main" id="{B80DD42F-148B-74CB-FA24-6FF49AFA0F04}"/>
+                  </a:ext>
+                </a:extLst>
+              </p:cNvPr>
+              <p:cNvSpPr txBox="1"/>
+              <p:nvPr/>
+            </p:nvSpPr>
+            <p:spPr>
+              <a:xfrm>
+                <a:off x="8093769" y="3059668"/>
+                <a:ext cx="930896" cy="369332"/>
+              </a:xfrm>
+              <a:prstGeom prst="rect">
+                <a:avLst/>
+              </a:prstGeom>
+              <a:solidFill>
+                <a:schemeClr val="bg1"/>
+              </a:solidFill>
+              <a:ln>
+                <a:solidFill>
+                  <a:schemeClr val="tx1"/>
+                </a:solidFill>
+              </a:ln>
+            </p:spPr>
+            <p:txBody>
+              <a:bodyPr wrap="none" lIns="0" tIns="0" rIns="0" bIns="0" rtlCol="0">
+                <a:spAutoFit/>
+              </a:bodyPr>
+              <a:lstStyle/>
+              <a:p>
+                <a14:m>
+                  <m:oMathPara xmlns:m="http://schemas.openxmlformats.org/officeDocument/2006/math">
+                    <m:oMathParaPr>
+                      <m:jc m:val="centerGroup"/>
+                    </m:oMathParaPr>
+                    <m:oMath xmlns:m="http://schemas.openxmlformats.org/officeDocument/2006/math">
+                      <m:r>
+                        <a:rPr kumimoji="1" lang="en-US" altLang="ja-JP" sz="2400" b="0" i="1" smtClean="0">
+                          <a:latin typeface="Cambria Math" panose="02040503050406030204" pitchFamily="18" charset="0"/>
+                        </a:rPr>
+                        <m:t>𝛿</m:t>
+                      </m:r>
+                      <m:r>
+                        <a:rPr kumimoji="1" lang="en-US" altLang="ja-JP" sz="2400" b="0" i="1" smtClean="0">
+                          <a:latin typeface="Cambria Math" panose="02040503050406030204" pitchFamily="18" charset="0"/>
+                        </a:rPr>
+                        <m:t>𝐼</m:t>
+                      </m:r>
+                      <m:r>
+                        <a:rPr kumimoji="1" lang="en-US" altLang="ja-JP" sz="2400" b="0" i="1" smtClean="0">
+                          <a:latin typeface="Cambria Math" panose="02040503050406030204" pitchFamily="18" charset="0"/>
+                        </a:rPr>
+                        <m:t>=0</m:t>
+                      </m:r>
+                    </m:oMath>
+                  </m:oMathPara>
+                </a14:m>
+                <a:endParaRPr kumimoji="1" lang="ja-JP" altLang="en-US" sz="2400" dirty="0"/>
+              </a:p>
+            </p:txBody>
+          </p:sp>
+        </mc:Choice>
+        <mc:Fallback>
+          <p:sp>
+            <p:nvSpPr>
+              <p:cNvPr id="33" name="テキスト ボックス 32">
+                <a:extLst>
+                  <a:ext uri="{FF2B5EF4-FFF2-40B4-BE49-F238E27FC236}">
+                    <a16:creationId xmlns:a16="http://schemas.microsoft.com/office/drawing/2014/main" id="{B80DD42F-148B-74CB-FA24-6FF49AFA0F04}"/>
+                  </a:ext>
+                </a:extLst>
+              </p:cNvPr>
+              <p:cNvSpPr txBox="1">
+                <a:spLocks noRot="1" noChangeAspect="1" noMove="1" noResize="1" noEditPoints="1" noAdjustHandles="1" noChangeArrowheads="1" noChangeShapeType="1" noTextEdit="1"/>
+              </p:cNvSpPr>
+              <p:nvPr/>
+            </p:nvSpPr>
+            <p:spPr>
+              <a:xfrm>
+                <a:off x="8093769" y="3059668"/>
+                <a:ext cx="930896" cy="369332"/>
+              </a:xfrm>
+              <a:prstGeom prst="rect">
+                <a:avLst/>
+              </a:prstGeom>
+              <a:blipFill>
+                <a:blip r:embed="rId11"/>
+                <a:stretch>
+                  <a:fillRect l="-6667" r="-6667" b="-6452"/>
+                </a:stretch>
+              </a:blipFill>
+              <a:ln>
+                <a:solidFill>
+                  <a:schemeClr val="tx1"/>
+                </a:solidFill>
+              </a:ln>
+            </p:spPr>
+            <p:txBody>
+              <a:bodyPr/>
+              <a:lstStyle/>
+              <a:p>
+                <a:r>
+                  <a:rPr lang="ja-JP" altLang="en-US">
+                    <a:noFill/>
+                  </a:rPr>
+                  <a:t> </a:t>
+                </a:r>
+              </a:p>
+            </p:txBody>
+          </p:sp>
+        </mc:Fallback>
+      </mc:AlternateContent>
+    </p:spTree>
+    <p:extLst>
+      <p:ext uri="{BB962C8B-B14F-4D97-AF65-F5344CB8AC3E}">
+        <p14:creationId xmlns:p14="http://schemas.microsoft.com/office/powerpoint/2010/main" val="3364587378"/>
+      </p:ext>
+    </p:extLst>
+  </p:cSld>
+  <p:clrMapOvr>
+    <a:masterClrMapping/>
+  </p:clrMapOvr>
+</p:sld>
+</file>
+
+<file path=ppt/slides/slide3.xml><?xml version="1.0" encoding="utf-8"?>
+<p:sld xmlns:a="http://schemas.openxmlformats.org/drawingml/2006/main" xmlns:r="http://schemas.openxmlformats.org/officeDocument/2006/relationships" xmlns:p="http://schemas.openxmlformats.org/presentationml/2006/main">
+  <p:cSld>
+    <p:spTree>
+      <p:nvGrpSpPr>
+        <p:cNvPr id="1" name=""/>
+        <p:cNvGrpSpPr/>
+        <p:nvPr/>
+      </p:nvGrpSpPr>
+      <p:grpSpPr>
+        <a:xfrm>
+          <a:off x="0" y="0"/>
+          <a:ext cx="0" cy="0"/>
+          <a:chOff x="0" y="0"/>
+          <a:chExt cx="0" cy="0"/>
+        </a:xfrm>
+      </p:grpSpPr>
+      <p:sp>
+        <p:nvSpPr>
           <p:cNvPr id="5" name="角丸四角形 4">
             <a:extLst>
               <a:ext uri="{FF2B5EF4-FFF2-40B4-BE49-F238E27FC236}">
@@ -2995,8 +5468,8 @@
           </a:p>
         </p:txBody>
       </p:sp>
-      <mc:AlternateContent xmlns:mc="http://schemas.openxmlformats.org/markup-compatibility/2006">
-        <mc:Choice xmlns:a14="http://schemas.microsoft.com/office/drawing/2010/main" Requires="a14">
+      <mc:AlternateContent xmlns:mc="http://schemas.openxmlformats.org/markup-compatibility/2006" xmlns:a14="http://schemas.microsoft.com/office/drawing/2010/main">
+        <mc:Choice Requires="a14">
           <p:sp>
             <p:nvSpPr>
               <p:cNvPr id="2" name="テキスト ボックス 1">
@@ -3098,7 +5571,7 @@
             </p:txBody>
           </p:sp>
         </mc:Choice>
-        <mc:Fallback>
+        <mc:Fallback xmlns="">
           <p:sp>
             <p:nvSpPr>
               <p:cNvPr id="2" name="テキスト ボックス 1">
@@ -3146,8 +5619,8 @@
           </p:sp>
         </mc:Fallback>
       </mc:AlternateContent>
-      <mc:AlternateContent xmlns:mc="http://schemas.openxmlformats.org/markup-compatibility/2006">
-        <mc:Choice xmlns:a14="http://schemas.microsoft.com/office/drawing/2010/main" Requires="a14">
+      <mc:AlternateContent xmlns:mc="http://schemas.openxmlformats.org/markup-compatibility/2006" xmlns:a14="http://schemas.microsoft.com/office/drawing/2010/main">
+        <mc:Choice Requires="a14">
           <p:sp>
             <p:nvSpPr>
               <p:cNvPr id="3" name="テキスト ボックス 2">
@@ -3336,7 +5809,7 @@
             </p:txBody>
           </p:sp>
         </mc:Choice>
-        <mc:Fallback>
+        <mc:Fallback xmlns="">
           <p:sp>
             <p:nvSpPr>
               <p:cNvPr id="3" name="テキスト ボックス 2">
@@ -3384,8 +5857,8 @@
           </p:sp>
         </mc:Fallback>
       </mc:AlternateContent>
-      <mc:AlternateContent xmlns:mc="http://schemas.openxmlformats.org/markup-compatibility/2006">
-        <mc:Choice xmlns:a14="http://schemas.microsoft.com/office/drawing/2010/main" Requires="a14">
+      <mc:AlternateContent xmlns:mc="http://schemas.openxmlformats.org/markup-compatibility/2006" xmlns:a14="http://schemas.microsoft.com/office/drawing/2010/main">
+        <mc:Choice Requires="a14">
           <p:sp>
             <p:nvSpPr>
               <p:cNvPr id="4" name="テキスト ボックス 3">
@@ -3491,7 +5964,7 @@
             </p:txBody>
           </p:sp>
         </mc:Choice>
-        <mc:Fallback>
+        <mc:Fallback xmlns="">
           <p:sp>
             <p:nvSpPr>
               <p:cNvPr id="4" name="テキスト ボックス 3">
@@ -3584,8 +6057,8 @@
           </a:p>
         </p:txBody>
       </p:sp>
-      <mc:AlternateContent xmlns:mc="http://schemas.openxmlformats.org/markup-compatibility/2006">
-        <mc:Choice xmlns:a14="http://schemas.microsoft.com/office/drawing/2010/main" Requires="a14">
+      <mc:AlternateContent xmlns:mc="http://schemas.openxmlformats.org/markup-compatibility/2006" xmlns:a14="http://schemas.microsoft.com/office/drawing/2010/main">
+        <mc:Choice Requires="a14">
           <p:sp>
             <p:nvSpPr>
               <p:cNvPr id="7" name="テキスト ボックス 6">
@@ -3677,13 +6150,7 @@
                         <a:rPr kumimoji="1" lang="en-US" altLang="ja-JP" sz="2400" b="0" i="1" smtClean="0">
                           <a:latin typeface="Cambria Math" panose="02040503050406030204" pitchFamily="18" charset="0"/>
                         </a:rPr>
-                        <m:t>𝑄</m:t>
-                      </m:r>
-                      <m:r>
-                        <a:rPr kumimoji="1" lang="en-US" altLang="ja-JP" sz="2400" b="0" i="1" smtClean="0">
-                          <a:latin typeface="Cambria Math" panose="02040503050406030204" pitchFamily="18" charset="0"/>
-                        </a:rPr>
-                        <m:t>𝑑𝑃</m:t>
+                        <m:t>𝑄𝑑𝑃</m:t>
                       </m:r>
                     </m:oMath>
                   </m:oMathPara>
@@ -3693,7 +6160,7 @@
             </p:txBody>
           </p:sp>
         </mc:Choice>
-        <mc:Fallback>
+        <mc:Fallback xmlns="">
           <p:sp>
             <p:nvSpPr>
               <p:cNvPr id="7" name="テキスト ボックス 6">
@@ -3741,8 +6208,8 @@
           </p:sp>
         </mc:Fallback>
       </mc:AlternateContent>
-      <mc:AlternateContent xmlns:mc="http://schemas.openxmlformats.org/markup-compatibility/2006">
-        <mc:Choice xmlns:a14="http://schemas.microsoft.com/office/drawing/2010/main" Requires="a14">
+      <mc:AlternateContent xmlns:mc="http://schemas.openxmlformats.org/markup-compatibility/2006" xmlns:a14="http://schemas.microsoft.com/office/drawing/2010/main">
+        <mc:Choice Requires="a14">
           <p:sp>
             <p:nvSpPr>
               <p:cNvPr id="8" name="テキスト ボックス 7">
@@ -3931,7 +6398,7 @@
             </p:txBody>
           </p:sp>
         </mc:Choice>
-        <mc:Fallback>
+        <mc:Fallback xmlns="">
           <p:sp>
             <p:nvSpPr>
               <p:cNvPr id="8" name="テキスト ボックス 7">
@@ -3979,8 +6446,8 @@
           </p:sp>
         </mc:Fallback>
       </mc:AlternateContent>
-      <mc:AlternateContent xmlns:mc="http://schemas.openxmlformats.org/markup-compatibility/2006">
-        <mc:Choice xmlns:a14="http://schemas.microsoft.com/office/drawing/2010/main" Requires="a14">
+      <mc:AlternateContent xmlns:mc="http://schemas.openxmlformats.org/markup-compatibility/2006" xmlns:a14="http://schemas.microsoft.com/office/drawing/2010/main">
+        <mc:Choice Requires="a14">
           <p:sp>
             <p:nvSpPr>
               <p:cNvPr id="9" name="テキスト ボックス 8">
@@ -4086,7 +6553,7 @@
             </p:txBody>
           </p:sp>
         </mc:Choice>
-        <mc:Fallback>
+        <mc:Fallback xmlns="">
           <p:sp>
             <p:nvSpPr>
               <p:cNvPr id="9" name="テキスト ボックス 8">
@@ -4179,8 +6646,8 @@
           </a:p>
         </p:txBody>
       </p:sp>
-      <mc:AlternateContent xmlns:mc="http://schemas.openxmlformats.org/markup-compatibility/2006">
-        <mc:Choice xmlns:a14="http://schemas.microsoft.com/office/drawing/2010/main" Requires="a14">
+      <mc:AlternateContent xmlns:mc="http://schemas.openxmlformats.org/markup-compatibility/2006" xmlns:a14="http://schemas.microsoft.com/office/drawing/2010/main">
+        <mc:Choice Requires="a14">
           <p:sp>
             <p:nvSpPr>
               <p:cNvPr id="11" name="テキスト ボックス 10">
@@ -4254,13 +6721,7 @@
                         <a:rPr kumimoji="1" lang="en-US" altLang="ja-JP" sz="2400" b="0" i="1" smtClean="0">
                           <a:latin typeface="Cambria Math" panose="02040503050406030204" pitchFamily="18" charset="0"/>
                         </a:rPr>
-                        <m:t>=</m:t>
-                      </m:r>
-                      <m:r>
-                        <a:rPr kumimoji="1" lang="en-US" altLang="ja-JP" sz="2400" b="0" i="1" smtClean="0">
-                          <a:latin typeface="Cambria Math" panose="02040503050406030204" pitchFamily="18" charset="0"/>
-                        </a:rPr>
-                        <m:t>−</m:t>
+                        <m:t>=−</m:t>
                       </m:r>
                       <m:r>
                         <a:rPr kumimoji="1" lang="en-US" altLang="ja-JP" sz="2400" b="0" i="1" smtClean="0">
@@ -4288,7 +6749,7 @@
             </p:txBody>
           </p:sp>
         </mc:Choice>
-        <mc:Fallback>
+        <mc:Fallback xmlns="">
           <p:sp>
             <p:nvSpPr>
               <p:cNvPr id="11" name="テキスト ボックス 10">
@@ -4336,8 +6797,8 @@
           </p:sp>
         </mc:Fallback>
       </mc:AlternateContent>
-      <mc:AlternateContent xmlns:mc="http://schemas.openxmlformats.org/markup-compatibility/2006">
-        <mc:Choice xmlns:a14="http://schemas.microsoft.com/office/drawing/2010/main" Requires="a14">
+      <mc:AlternateContent xmlns:mc="http://schemas.openxmlformats.org/markup-compatibility/2006" xmlns:a14="http://schemas.microsoft.com/office/drawing/2010/main">
+        <mc:Choice Requires="a14">
           <p:sp>
             <p:nvSpPr>
               <p:cNvPr id="12" name="テキスト ボックス 11">
@@ -4526,7 +6987,7 @@
             </p:txBody>
           </p:sp>
         </mc:Choice>
-        <mc:Fallback>
+        <mc:Fallback xmlns="">
           <p:sp>
             <p:nvSpPr>
               <p:cNvPr id="12" name="テキスト ボックス 11">
@@ -4574,8 +7035,8 @@
           </p:sp>
         </mc:Fallback>
       </mc:AlternateContent>
-      <mc:AlternateContent xmlns:mc="http://schemas.openxmlformats.org/markup-compatibility/2006">
-        <mc:Choice xmlns:a14="http://schemas.microsoft.com/office/drawing/2010/main" Requires="a14">
+      <mc:AlternateContent xmlns:mc="http://schemas.openxmlformats.org/markup-compatibility/2006" xmlns:a14="http://schemas.microsoft.com/office/drawing/2010/main">
+        <mc:Choice Requires="a14">
           <p:sp>
             <p:nvSpPr>
               <p:cNvPr id="13" name="テキスト ボックス 12">
@@ -4681,7 +7142,7 @@
             </p:txBody>
           </p:sp>
         </mc:Choice>
-        <mc:Fallback>
+        <mc:Fallback xmlns="">
           <p:sp>
             <p:nvSpPr>
               <p:cNvPr id="13" name="テキスト ボックス 12">
@@ -4774,8 +7235,8 @@
           </a:p>
         </p:txBody>
       </p:sp>
-      <mc:AlternateContent xmlns:mc="http://schemas.openxmlformats.org/markup-compatibility/2006">
-        <mc:Choice xmlns:a14="http://schemas.microsoft.com/office/drawing/2010/main" Requires="a14">
+      <mc:AlternateContent xmlns:mc="http://schemas.openxmlformats.org/markup-compatibility/2006" xmlns:a14="http://schemas.microsoft.com/office/drawing/2010/main">
+        <mc:Choice Requires="a14">
           <p:sp>
             <p:nvSpPr>
               <p:cNvPr id="15" name="テキスト ボックス 14">
@@ -4849,25 +7310,13 @@
                         <a:rPr kumimoji="1" lang="en-US" altLang="ja-JP" sz="2400" b="0" i="1" smtClean="0">
                           <a:latin typeface="Cambria Math" panose="02040503050406030204" pitchFamily="18" charset="0"/>
                         </a:rPr>
-                        <m:t>=</m:t>
+                        <m:t>=−</m:t>
                       </m:r>
                       <m:r>
                         <a:rPr kumimoji="1" lang="en-US" altLang="ja-JP" sz="2400" b="0" i="1" smtClean="0">
                           <a:latin typeface="Cambria Math" panose="02040503050406030204" pitchFamily="18" charset="0"/>
                         </a:rPr>
-                        <m:t>−</m:t>
-                      </m:r>
-                      <m:r>
-                        <a:rPr kumimoji="1" lang="en-US" altLang="ja-JP" sz="2400" b="0" i="1" smtClean="0">
-                          <a:latin typeface="Cambria Math" panose="02040503050406030204" pitchFamily="18" charset="0"/>
-                        </a:rPr>
-                        <m:t>𝑞𝑑</m:t>
-                      </m:r>
-                      <m:r>
-                        <a:rPr kumimoji="1" lang="en-US" altLang="ja-JP" sz="2400" b="0" i="1" smtClean="0">
-                          <a:latin typeface="Cambria Math" panose="02040503050406030204" pitchFamily="18" charset="0"/>
-                        </a:rPr>
-                        <m:t>𝑝</m:t>
+                        <m:t>𝑞𝑑𝑝</m:t>
                       </m:r>
                       <m:r>
                         <a:rPr kumimoji="1" lang="en-US" altLang="ja-JP" sz="2400" b="0" i="1" smtClean="0">
@@ -4889,7 +7338,7 @@
             </p:txBody>
           </p:sp>
         </mc:Choice>
-        <mc:Fallback>
+        <mc:Fallback xmlns="">
           <p:sp>
             <p:nvSpPr>
               <p:cNvPr id="15" name="テキスト ボックス 14">
@@ -4937,8 +7386,8 @@
           </p:sp>
         </mc:Fallback>
       </mc:AlternateContent>
-      <mc:AlternateContent xmlns:mc="http://schemas.openxmlformats.org/markup-compatibility/2006">
-        <mc:Choice xmlns:a14="http://schemas.microsoft.com/office/drawing/2010/main" Requires="a14">
+      <mc:AlternateContent xmlns:mc="http://schemas.openxmlformats.org/markup-compatibility/2006" xmlns:a14="http://schemas.microsoft.com/office/drawing/2010/main">
+        <mc:Choice Requires="a14">
           <p:sp>
             <p:nvSpPr>
               <p:cNvPr id="16" name="テキスト ボックス 15">
@@ -5127,7 +7576,7 @@
             </p:txBody>
           </p:sp>
         </mc:Choice>
-        <mc:Fallback>
+        <mc:Fallback xmlns="">
           <p:sp>
             <p:nvSpPr>
               <p:cNvPr id="16" name="テキスト ボックス 15">
@@ -5175,8 +7624,8 @@
           </p:sp>
         </mc:Fallback>
       </mc:AlternateContent>
-      <mc:AlternateContent xmlns:mc="http://schemas.openxmlformats.org/markup-compatibility/2006">
-        <mc:Choice xmlns:a14="http://schemas.microsoft.com/office/drawing/2010/main" Requires="a14">
+      <mc:AlternateContent xmlns:mc="http://schemas.openxmlformats.org/markup-compatibility/2006" xmlns:a14="http://schemas.microsoft.com/office/drawing/2010/main">
+        <mc:Choice Requires="a14">
           <p:sp>
             <p:nvSpPr>
               <p:cNvPr id="17" name="テキスト ボックス 16">
@@ -5282,7 +7731,7 @@
             </p:txBody>
           </p:sp>
         </mc:Choice>
-        <mc:Fallback>
+        <mc:Fallback xmlns="">
           <p:sp>
             <p:nvSpPr>
               <p:cNvPr id="17" name="テキスト ボックス 16">
@@ -5529,8 +7978,8 @@
           </a:fontRef>
         </p:style>
       </p:cxnSp>
-      <mc:AlternateContent xmlns:mc="http://schemas.openxmlformats.org/markup-compatibility/2006">
-        <mc:Choice xmlns:a14="http://schemas.microsoft.com/office/drawing/2010/main" Requires="a14">
+      <mc:AlternateContent xmlns:mc="http://schemas.openxmlformats.org/markup-compatibility/2006" xmlns:a14="http://schemas.microsoft.com/office/drawing/2010/main">
+        <mc:Choice Requires="a14">
           <p:sp>
             <p:nvSpPr>
               <p:cNvPr id="33" name="テキスト ボックス 32">
@@ -5649,7 +8098,7 @@
             </p:txBody>
           </p:sp>
         </mc:Choice>
-        <mc:Fallback>
+        <mc:Fallback xmlns="">
           <p:sp>
             <p:nvSpPr>
               <p:cNvPr id="33" name="テキスト ボックス 32">
@@ -5699,8 +8148,8 @@
           </p:sp>
         </mc:Fallback>
       </mc:AlternateContent>
-      <mc:AlternateContent xmlns:mc="http://schemas.openxmlformats.org/markup-compatibility/2006">
-        <mc:Choice xmlns:a14="http://schemas.microsoft.com/office/drawing/2010/main" Requires="a14">
+      <mc:AlternateContent xmlns:mc="http://schemas.openxmlformats.org/markup-compatibility/2006" xmlns:a14="http://schemas.microsoft.com/office/drawing/2010/main">
+        <mc:Choice Requires="a14">
           <p:sp>
             <p:nvSpPr>
               <p:cNvPr id="34" name="テキスト ボックス 33">
@@ -5819,7 +8268,7 @@
             </p:txBody>
           </p:sp>
         </mc:Choice>
-        <mc:Fallback>
+        <mc:Fallback xmlns="">
           <p:sp>
             <p:nvSpPr>
               <p:cNvPr id="34" name="テキスト ボックス 33">
@@ -5869,8 +8318,8 @@
           </p:sp>
         </mc:Fallback>
       </mc:AlternateContent>
-      <mc:AlternateContent xmlns:mc="http://schemas.openxmlformats.org/markup-compatibility/2006">
-        <mc:Choice xmlns:a14="http://schemas.microsoft.com/office/drawing/2010/main" Requires="a14">
+      <mc:AlternateContent xmlns:mc="http://schemas.openxmlformats.org/markup-compatibility/2006" xmlns:a14="http://schemas.microsoft.com/office/drawing/2010/main">
+        <mc:Choice Requires="a14">
           <p:sp>
             <p:nvSpPr>
               <p:cNvPr id="35" name="テキスト ボックス 34">
@@ -5989,7 +8438,7 @@
             </p:txBody>
           </p:sp>
         </mc:Choice>
-        <mc:Fallback>
+        <mc:Fallback xmlns="">
           <p:sp>
             <p:nvSpPr>
               <p:cNvPr id="35" name="テキスト ボックス 34">
@@ -6039,8 +8488,8 @@
           </p:sp>
         </mc:Fallback>
       </mc:AlternateContent>
-      <mc:AlternateContent xmlns:mc="http://schemas.openxmlformats.org/markup-compatibility/2006">
-        <mc:Choice xmlns:a14="http://schemas.microsoft.com/office/drawing/2010/main" Requires="a14">
+      <mc:AlternateContent xmlns:mc="http://schemas.openxmlformats.org/markup-compatibility/2006" xmlns:a14="http://schemas.microsoft.com/office/drawing/2010/main">
+        <mc:Choice Requires="a14">
           <p:sp>
             <p:nvSpPr>
               <p:cNvPr id="36" name="テキスト ボックス 35">
@@ -6159,7 +8608,7 @@
             </p:txBody>
           </p:sp>
         </mc:Choice>
-        <mc:Fallback>
+        <mc:Fallback xmlns="">
           <p:sp>
             <p:nvSpPr>
               <p:cNvPr id="36" name="テキスト ボックス 35">
